--- a/Presentations/DS_Project_Week-4.pptx
+++ b/Presentations/DS_Project_Week-4.pptx
@@ -7,8 +7,8 @@
   </p:sldMasterIdLst>
   <p:sldIdLst>
     <p:sldId id="257" r:id="rId3"/>
-    <p:sldId id="261" r:id="rId4"/>
-    <p:sldId id="260" r:id="rId5"/>
+    <p:sldId id="260" r:id="rId4"/>
+    <p:sldId id="261" r:id="rId5"/>
     <p:sldId id="259" r:id="rId6"/>
   </p:sldIdLst>
   <p:sldSz cx="12192000" cy="6858000"/>
@@ -255,7 +255,7 @@
           <a:p>
             <a:fld id="{846CE7D5-CF57-46EF-B807-FDD0502418D4}" type="datetimeFigureOut">
               <a:rPr lang="en-US" smtClean="0"/>
-              <a:t>3/4/2025</a:t>
+              <a:t>3/25/2025</a:t>
             </a:fld>
             <a:endParaRPr lang="en-US"/>
           </a:p>
@@ -425,7 +425,7 @@
           <a:p>
             <a:fld id="{846CE7D5-CF57-46EF-B807-FDD0502418D4}" type="datetimeFigureOut">
               <a:rPr lang="en-US" smtClean="0"/>
-              <a:t>3/4/2025</a:t>
+              <a:t>3/25/2025</a:t>
             </a:fld>
             <a:endParaRPr lang="en-US"/>
           </a:p>
@@ -605,7 +605,7 @@
           <a:p>
             <a:fld id="{846CE7D5-CF57-46EF-B807-FDD0502418D4}" type="datetimeFigureOut">
               <a:rPr lang="en-US" smtClean="0"/>
-              <a:t>3/4/2025</a:t>
+              <a:t>3/25/2025</a:t>
             </a:fld>
             <a:endParaRPr lang="en-US"/>
           </a:p>
@@ -795,7 +795,7 @@
           <a:p>
             <a:fld id="{D3EB3054-B75A-4BD7-8B3E-8DC0F614FAF3}" type="datetimeFigureOut">
               <a:rPr lang="de-DE" smtClean="0"/>
-              <a:t>04.03.2025</a:t>
+              <a:t>25.03.2025</a:t>
             </a:fld>
             <a:endParaRPr lang="de-DE"/>
           </a:p>
@@ -963,7 +963,7 @@
           <a:p>
             <a:fld id="{D3EB3054-B75A-4BD7-8B3E-8DC0F614FAF3}" type="datetimeFigureOut">
               <a:rPr lang="de-DE" smtClean="0"/>
-              <a:t>04.03.2025</a:t>
+              <a:t>25.03.2025</a:t>
             </a:fld>
             <a:endParaRPr lang="de-DE"/>
           </a:p>
@@ -1208,7 +1208,7 @@
           <a:p>
             <a:fld id="{D3EB3054-B75A-4BD7-8B3E-8DC0F614FAF3}" type="datetimeFigureOut">
               <a:rPr lang="de-DE" smtClean="0"/>
-              <a:t>04.03.2025</a:t>
+              <a:t>25.03.2025</a:t>
             </a:fld>
             <a:endParaRPr lang="de-DE"/>
           </a:p>
@@ -1437,7 +1437,7 @@
           <a:p>
             <a:fld id="{D3EB3054-B75A-4BD7-8B3E-8DC0F614FAF3}" type="datetimeFigureOut">
               <a:rPr lang="de-DE" smtClean="0"/>
-              <a:t>04.03.2025</a:t>
+              <a:t>25.03.2025</a:t>
             </a:fld>
             <a:endParaRPr lang="de-DE"/>
           </a:p>
@@ -1801,7 +1801,7 @@
           <a:p>
             <a:fld id="{D3EB3054-B75A-4BD7-8B3E-8DC0F614FAF3}" type="datetimeFigureOut">
               <a:rPr lang="de-DE" smtClean="0"/>
-              <a:t>04.03.2025</a:t>
+              <a:t>25.03.2025</a:t>
             </a:fld>
             <a:endParaRPr lang="de-DE"/>
           </a:p>
@@ -1918,7 +1918,7 @@
           <a:p>
             <a:fld id="{D3EB3054-B75A-4BD7-8B3E-8DC0F614FAF3}" type="datetimeFigureOut">
               <a:rPr lang="de-DE" smtClean="0"/>
-              <a:t>04.03.2025</a:t>
+              <a:t>25.03.2025</a:t>
             </a:fld>
             <a:endParaRPr lang="de-DE"/>
           </a:p>
@@ -2013,7 +2013,7 @@
           <a:p>
             <a:fld id="{D3EB3054-B75A-4BD7-8B3E-8DC0F614FAF3}" type="datetimeFigureOut">
               <a:rPr lang="de-DE" smtClean="0"/>
-              <a:t>04.03.2025</a:t>
+              <a:t>25.03.2025</a:t>
             </a:fld>
             <a:endParaRPr lang="de-DE"/>
           </a:p>
@@ -2288,7 +2288,7 @@
           <a:p>
             <a:fld id="{D3EB3054-B75A-4BD7-8B3E-8DC0F614FAF3}" type="datetimeFigureOut">
               <a:rPr lang="de-DE" smtClean="0"/>
-              <a:t>04.03.2025</a:t>
+              <a:t>25.03.2025</a:t>
             </a:fld>
             <a:endParaRPr lang="de-DE"/>
           </a:p>
@@ -2458,7 +2458,7 @@
           <a:p>
             <a:fld id="{846CE7D5-CF57-46EF-B807-FDD0502418D4}" type="datetimeFigureOut">
               <a:rPr lang="en-US" smtClean="0"/>
-              <a:t>3/4/2025</a:t>
+              <a:t>3/25/2025</a:t>
             </a:fld>
             <a:endParaRPr lang="en-US"/>
           </a:p>
@@ -2710,7 +2710,7 @@
           <a:p>
             <a:fld id="{D3EB3054-B75A-4BD7-8B3E-8DC0F614FAF3}" type="datetimeFigureOut">
               <a:rPr lang="de-DE" smtClean="0"/>
-              <a:t>04.03.2025</a:t>
+              <a:t>25.03.2025</a:t>
             </a:fld>
             <a:endParaRPr lang="de-DE"/>
           </a:p>
@@ -2878,7 +2878,7 @@
           <a:p>
             <a:fld id="{D3EB3054-B75A-4BD7-8B3E-8DC0F614FAF3}" type="datetimeFigureOut">
               <a:rPr lang="de-DE" smtClean="0"/>
-              <a:t>04.03.2025</a:t>
+              <a:t>25.03.2025</a:t>
             </a:fld>
             <a:endParaRPr lang="de-DE"/>
           </a:p>
@@ -3056,7 +3056,7 @@
           <a:p>
             <a:fld id="{D3EB3054-B75A-4BD7-8B3E-8DC0F614FAF3}" type="datetimeFigureOut">
               <a:rPr lang="de-DE" smtClean="0"/>
-              <a:t>04.03.2025</a:t>
+              <a:t>25.03.2025</a:t>
             </a:fld>
             <a:endParaRPr lang="de-DE"/>
           </a:p>
@@ -3302,7 +3302,7 @@
           <a:p>
             <a:fld id="{846CE7D5-CF57-46EF-B807-FDD0502418D4}" type="datetimeFigureOut">
               <a:rPr lang="en-US" smtClean="0"/>
-              <a:t>3/4/2025</a:t>
+              <a:t>3/25/2025</a:t>
             </a:fld>
             <a:endParaRPr lang="en-US"/>
           </a:p>
@@ -3534,7 +3534,7 @@
           <a:p>
             <a:fld id="{846CE7D5-CF57-46EF-B807-FDD0502418D4}" type="datetimeFigureOut">
               <a:rPr lang="en-US" smtClean="0"/>
-              <a:t>3/4/2025</a:t>
+              <a:t>3/25/2025</a:t>
             </a:fld>
             <a:endParaRPr lang="en-US"/>
           </a:p>
@@ -3901,7 +3901,7 @@
           <a:p>
             <a:fld id="{846CE7D5-CF57-46EF-B807-FDD0502418D4}" type="datetimeFigureOut">
               <a:rPr lang="en-US" smtClean="0"/>
-              <a:t>3/4/2025</a:t>
+              <a:t>3/25/2025</a:t>
             </a:fld>
             <a:endParaRPr lang="en-US"/>
           </a:p>
@@ -4019,7 +4019,7 @@
           <a:p>
             <a:fld id="{846CE7D5-CF57-46EF-B807-FDD0502418D4}" type="datetimeFigureOut">
               <a:rPr lang="en-US" smtClean="0"/>
-              <a:t>3/4/2025</a:t>
+              <a:t>3/25/2025</a:t>
             </a:fld>
             <a:endParaRPr lang="en-US"/>
           </a:p>
@@ -4114,7 +4114,7 @@
           <a:p>
             <a:fld id="{846CE7D5-CF57-46EF-B807-FDD0502418D4}" type="datetimeFigureOut">
               <a:rPr lang="en-US" smtClean="0"/>
-              <a:t>3/4/2025</a:t>
+              <a:t>3/25/2025</a:t>
             </a:fld>
             <a:endParaRPr lang="en-US"/>
           </a:p>
@@ -4391,7 +4391,7 @@
           <a:p>
             <a:fld id="{846CE7D5-CF57-46EF-B807-FDD0502418D4}" type="datetimeFigureOut">
               <a:rPr lang="en-US" smtClean="0"/>
-              <a:t>3/4/2025</a:t>
+              <a:t>3/25/2025</a:t>
             </a:fld>
             <a:endParaRPr lang="en-US"/>
           </a:p>
@@ -4648,7 +4648,7 @@
           <a:p>
             <a:fld id="{846CE7D5-CF57-46EF-B807-FDD0502418D4}" type="datetimeFigureOut">
               <a:rPr lang="en-US" smtClean="0"/>
-              <a:t>3/4/2025</a:t>
+              <a:t>3/25/2025</a:t>
             </a:fld>
             <a:endParaRPr lang="en-US"/>
           </a:p>
@@ -4861,7 +4861,7 @@
           <a:p>
             <a:fld id="{846CE7D5-CF57-46EF-B807-FDD0502418D4}" type="datetimeFigureOut">
               <a:rPr lang="en-US" smtClean="0"/>
-              <a:t>3/4/2025</a:t>
+              <a:t>3/25/2025</a:t>
             </a:fld>
             <a:endParaRPr lang="en-US"/>
           </a:p>
@@ -5399,7 +5399,7 @@
           <a:p>
             <a:fld id="{D3EB3054-B75A-4BD7-8B3E-8DC0F614FAF3}" type="datetimeFigureOut">
               <a:rPr lang="de-DE" smtClean="0"/>
-              <a:t>04.03.2025</a:t>
+              <a:t>25.03.2025</a:t>
             </a:fld>
             <a:endParaRPr lang="de-DE"/>
           </a:p>
@@ -6366,21 +6366,26 @@
           <a:p>
             <a:pPr algn="l"/>
             <a:r>
+              <a:rPr lang="de-DE" sz="4800" dirty="0">
+                <a:solidFill>
+                  <a:srgbClr val="FFFFFF"/>
+                </a:solidFill>
+              </a:rPr>
+              <a:t>Final </a:t>
+            </a:r>
+            <a:r>
               <a:rPr lang="de-DE" sz="4800" dirty="0" err="1">
                 <a:solidFill>
                   <a:srgbClr val="FFFFFF"/>
                 </a:solidFill>
               </a:rPr>
-              <a:t>Current</a:t>
-            </a:r>
-            <a:r>
-              <a:rPr lang="de-DE" sz="4800" dirty="0">
-                <a:solidFill>
-                  <a:srgbClr val="FFFFFF"/>
-                </a:solidFill>
-              </a:rPr>
-              <a:t> State (Week 4)</a:t>
-            </a:r>
+              <a:t>Presentation</a:t>
+            </a:r>
+            <a:endParaRPr lang="de-DE" sz="4800" dirty="0">
+              <a:solidFill>
+                <a:srgbClr val="FFFFFF"/>
+              </a:solidFill>
+            </a:endParaRPr>
           </a:p>
         </p:txBody>
       </p:sp>
@@ -7013,34 +7018,14 @@
           <a:p>
             <a:pPr algn="r"/>
             <a:r>
-              <a:rPr lang="de-DE" sz="4000" dirty="0" err="1">
-                <a:solidFill>
-                  <a:srgbClr val="FFFFFF"/>
-                </a:solidFill>
-              </a:rPr>
-              <a:t>problems</a:t>
-            </a:r>
-            <a:r>
               <a:rPr lang="de-DE" sz="4000" dirty="0">
                 <a:solidFill>
                   <a:srgbClr val="FFFFFF"/>
                 </a:solidFill>
               </a:rPr>
-              <a:t> </a:t>
-            </a:r>
-            <a:r>
-              <a:rPr lang="de-DE" sz="4000" dirty="0" err="1">
-                <a:solidFill>
-                  <a:srgbClr val="FFFFFF"/>
-                </a:solidFill>
-              </a:rPr>
-              <a:t>solved</a:t>
-            </a:r>
-            <a:endParaRPr lang="de-DE" sz="4000" dirty="0">
-              <a:solidFill>
-                <a:srgbClr val="FFFFFF"/>
-              </a:solidFill>
-            </a:endParaRPr>
+              <a:t>Development</a:t>
+            </a:r>
+            <a:endParaRPr lang="en-US" dirty="0" err="1"/>
           </a:p>
         </p:txBody>
       </p:sp>
@@ -7095,7 +7080,7 @@
     </p:spTree>
     <p:extLst>
       <p:ext uri="{BB962C8B-B14F-4D97-AF65-F5344CB8AC3E}">
-        <p14:creationId xmlns:p14="http://schemas.microsoft.com/office/powerpoint/2010/main" val="345647065"/>
+        <p14:creationId xmlns:p14="http://schemas.microsoft.com/office/powerpoint/2010/main" val="358290126"/>
       </p:ext>
     </p:extLst>
   </p:cSld>
@@ -7611,12 +7596,20 @@
           <a:p>
             <a:pPr algn="r"/>
             <a:r>
+              <a:rPr lang="de-DE" sz="4000" dirty="0">
+                <a:solidFill>
+                  <a:srgbClr val="FFFFFF"/>
+                </a:solidFill>
+              </a:rPr>
+              <a:t>Major Problems and </a:t>
+            </a:r>
+            <a:r>
               <a:rPr lang="de-DE" sz="4000" dirty="0" err="1">
                 <a:solidFill>
                   <a:srgbClr val="FFFFFF"/>
                 </a:solidFill>
               </a:rPr>
-              <a:t>current</a:t>
+              <a:t>their</a:t>
             </a:r>
             <a:r>
               <a:rPr lang="de-DE" sz="4000" dirty="0">
@@ -7624,17 +7617,8 @@
                   <a:srgbClr val="FFFFFF"/>
                 </a:solidFill>
               </a:rPr>
-              <a:t> </a:t>
-            </a:r>
-            <a:r>
-              <a:rPr lang="de-DE" sz="4000" dirty="0" err="1">
-                <a:solidFill>
-                  <a:srgbClr val="FFFFFF"/>
-                </a:solidFill>
-              </a:rPr>
-              <a:t>hurdles</a:t>
-            </a:r>
-            <a:endParaRPr lang="en-US" dirty="0" err="1"/>
+              <a:t> Solutions</a:t>
+            </a:r>
           </a:p>
         </p:txBody>
       </p:sp>
@@ -7689,7 +7673,7 @@
     </p:spTree>
     <p:extLst>
       <p:ext uri="{BB962C8B-B14F-4D97-AF65-F5344CB8AC3E}">
-        <p14:creationId xmlns:p14="http://schemas.microsoft.com/office/powerpoint/2010/main" val="358290126"/>
+        <p14:creationId xmlns:p14="http://schemas.microsoft.com/office/powerpoint/2010/main" val="345647065"/>
       </p:ext>
     </p:extLst>
   </p:cSld>
@@ -8205,30 +8189,22 @@
           <a:p>
             <a:pPr algn="r"/>
             <a:r>
+              <a:rPr lang="de-DE" sz="4000" dirty="0">
+                <a:solidFill>
+                  <a:srgbClr val="FFFFFF"/>
+                </a:solidFill>
+              </a:rPr>
+              <a:t>Project </a:t>
+            </a:r>
+            <a:r>
               <a:rPr lang="de-DE" sz="4000" dirty="0" err="1">
                 <a:solidFill>
                   <a:srgbClr val="FFFFFF"/>
                 </a:solidFill>
               </a:rPr>
-              <a:t>upcoming</a:t>
-            </a:r>
-            <a:r>
-              <a:rPr lang="de-DE" sz="4000" dirty="0">
-                <a:solidFill>
-                  <a:srgbClr val="FFFFFF"/>
-                </a:solidFill>
-              </a:rPr>
-              <a:t> </a:t>
-            </a:r>
-            <a:r>
-              <a:rPr lang="de-DE" sz="4000" dirty="0" err="1">
-                <a:solidFill>
-                  <a:srgbClr val="FFFFFF"/>
-                </a:solidFill>
-              </a:rPr>
-              <a:t>steps</a:t>
-            </a:r>
-            <a:endParaRPr lang="de-DE" sz="4000">
+              <a:t>Results</a:t>
+            </a:r>
+            <a:endParaRPr lang="de-DE" sz="4000" dirty="0">
               <a:solidFill>
                 <a:srgbClr val="FFFFFF"/>
               </a:solidFill>

--- a/Presentations/DS_Project_Week-4.pptx
+++ b/Presentations/DS_Project_Week-4.pptx
@@ -5,11 +5,15 @@
     <p:sldMasterId id="2147483660" r:id="rId1"/>
     <p:sldMasterId id="2147483648" r:id="rId2"/>
   </p:sldMasterIdLst>
+  <p:notesMasterIdLst>
+    <p:notesMasterId r:id="rId8"/>
+  </p:notesMasterIdLst>
   <p:sldIdLst>
     <p:sldId id="257" r:id="rId3"/>
     <p:sldId id="260" r:id="rId4"/>
     <p:sldId id="261" r:id="rId5"/>
     <p:sldId id="259" r:id="rId6"/>
+    <p:sldId id="262" r:id="rId7"/>
   </p:sldIdLst>
   <p:sldSz cx="12192000" cy="6858000"/>
   <p:notesSz cx="6858000" cy="9144000"/>
@@ -122,6 +126,781 @@
     <p1510:client id="{608298BB-7006-F4EF-F6B0-66C9F2BD05BD}" v="30" dt="2025-03-03T10:32:39.614"/>
   </p1510:revLst>
 </p1510:revInfo>
+</file>
+
+<file path=ppt/notesMasters/notesMaster1.xml><?xml version="1.0" encoding="utf-8"?>
+<p:notesMaster xmlns:a="http://schemas.openxmlformats.org/drawingml/2006/main" xmlns:r="http://schemas.openxmlformats.org/officeDocument/2006/relationships" xmlns:p="http://schemas.openxmlformats.org/presentationml/2006/main">
+  <p:cSld>
+    <p:bg>
+      <p:bgRef idx="1001">
+        <a:schemeClr val="bg1"/>
+      </p:bgRef>
+    </p:bg>
+    <p:spTree>
+      <p:nvGrpSpPr>
+        <p:cNvPr id="1" name=""/>
+        <p:cNvGrpSpPr/>
+        <p:nvPr/>
+      </p:nvGrpSpPr>
+      <p:grpSpPr>
+        <a:xfrm>
+          <a:off x="0" y="0"/>
+          <a:ext cx="0" cy="0"/>
+          <a:chOff x="0" y="0"/>
+          <a:chExt cx="0" cy="0"/>
+        </a:xfrm>
+      </p:grpSpPr>
+      <p:sp>
+        <p:nvSpPr>
+          <p:cNvPr id="2" name="Kopfzeilenplatzhalter 1"/>
+          <p:cNvSpPr>
+            <a:spLocks noGrp="1"/>
+          </p:cNvSpPr>
+          <p:nvPr>
+            <p:ph type="hdr" sz="quarter"/>
+          </p:nvPr>
+        </p:nvSpPr>
+        <p:spPr>
+          <a:xfrm>
+            <a:off x="0" y="0"/>
+            <a:ext cx="2971800" cy="458788"/>
+          </a:xfrm>
+          <a:prstGeom prst="rect">
+            <a:avLst/>
+          </a:prstGeom>
+        </p:spPr>
+        <p:txBody>
+          <a:bodyPr vert="horz" lIns="91440" tIns="45720" rIns="91440" bIns="45720" rtlCol="0"/>
+          <a:lstStyle>
+            <a:lvl1pPr algn="l">
+              <a:defRPr sz="1200"/>
+            </a:lvl1pPr>
+          </a:lstStyle>
+          <a:p>
+            <a:endParaRPr lang="LID4096"/>
+          </a:p>
+        </p:txBody>
+      </p:sp>
+      <p:sp>
+        <p:nvSpPr>
+          <p:cNvPr id="3" name="Datumsplatzhalter 2"/>
+          <p:cNvSpPr>
+            <a:spLocks noGrp="1"/>
+          </p:cNvSpPr>
+          <p:nvPr>
+            <p:ph type="dt" idx="1"/>
+          </p:nvPr>
+        </p:nvSpPr>
+        <p:spPr>
+          <a:xfrm>
+            <a:off x="3884613" y="0"/>
+            <a:ext cx="2971800" cy="458788"/>
+          </a:xfrm>
+          <a:prstGeom prst="rect">
+            <a:avLst/>
+          </a:prstGeom>
+        </p:spPr>
+        <p:txBody>
+          <a:bodyPr vert="horz" lIns="91440" tIns="45720" rIns="91440" bIns="45720" rtlCol="0"/>
+          <a:lstStyle>
+            <a:lvl1pPr algn="r">
+              <a:defRPr sz="1200"/>
+            </a:lvl1pPr>
+          </a:lstStyle>
+          <a:p>
+            <a:fld id="{AED9CDE3-D1C5-48DA-9920-F3058EBF21A6}" type="datetimeFigureOut">
+              <a:rPr lang="LID4096" smtClean="0"/>
+              <a:t>03/25/2025</a:t>
+            </a:fld>
+            <a:endParaRPr lang="LID4096"/>
+          </a:p>
+        </p:txBody>
+      </p:sp>
+      <p:sp>
+        <p:nvSpPr>
+          <p:cNvPr id="4" name="Folienbildplatzhalter 3"/>
+          <p:cNvSpPr>
+            <a:spLocks noGrp="1" noRot="1" noChangeAspect="1"/>
+          </p:cNvSpPr>
+          <p:nvPr>
+            <p:ph type="sldImg" idx="2"/>
+          </p:nvPr>
+        </p:nvSpPr>
+        <p:spPr>
+          <a:xfrm>
+            <a:off x="685800" y="1143000"/>
+            <a:ext cx="5486400" cy="3086100"/>
+          </a:xfrm>
+          <a:prstGeom prst="rect">
+            <a:avLst/>
+          </a:prstGeom>
+          <a:noFill/>
+          <a:ln w="12700">
+            <a:solidFill>
+              <a:prstClr val="black"/>
+            </a:solidFill>
+          </a:ln>
+        </p:spPr>
+        <p:txBody>
+          <a:bodyPr vert="horz" lIns="91440" tIns="45720" rIns="91440" bIns="45720" rtlCol="0" anchor="ctr"/>
+          <a:lstStyle/>
+          <a:p>
+            <a:endParaRPr lang="LID4096"/>
+          </a:p>
+        </p:txBody>
+      </p:sp>
+      <p:sp>
+        <p:nvSpPr>
+          <p:cNvPr id="5" name="Notizenplatzhalter 4"/>
+          <p:cNvSpPr>
+            <a:spLocks noGrp="1"/>
+          </p:cNvSpPr>
+          <p:nvPr>
+            <p:ph type="body" sz="quarter" idx="3"/>
+          </p:nvPr>
+        </p:nvSpPr>
+        <p:spPr>
+          <a:xfrm>
+            <a:off x="685800" y="4400550"/>
+            <a:ext cx="5486400" cy="3600450"/>
+          </a:xfrm>
+          <a:prstGeom prst="rect">
+            <a:avLst/>
+          </a:prstGeom>
+        </p:spPr>
+        <p:txBody>
+          <a:bodyPr vert="horz" lIns="91440" tIns="45720" rIns="91440" bIns="45720" rtlCol="0"/>
+          <a:lstStyle/>
+          <a:p>
+            <a:pPr lvl="0"/>
+            <a:r>
+              <a:rPr lang="de-DE"/>
+              <a:t>Mastertextformat bearbeiten</a:t>
+            </a:r>
+          </a:p>
+          <a:p>
+            <a:pPr lvl="1"/>
+            <a:r>
+              <a:rPr lang="de-DE"/>
+              <a:t>Zweite Ebene</a:t>
+            </a:r>
+          </a:p>
+          <a:p>
+            <a:pPr lvl="2"/>
+            <a:r>
+              <a:rPr lang="de-DE"/>
+              <a:t>Dritte Ebene</a:t>
+            </a:r>
+          </a:p>
+          <a:p>
+            <a:pPr lvl="3"/>
+            <a:r>
+              <a:rPr lang="de-DE"/>
+              <a:t>Vierte Ebene</a:t>
+            </a:r>
+          </a:p>
+          <a:p>
+            <a:pPr lvl="4"/>
+            <a:r>
+              <a:rPr lang="de-DE"/>
+              <a:t>Fünfte Ebene</a:t>
+            </a:r>
+            <a:endParaRPr lang="LID4096"/>
+          </a:p>
+        </p:txBody>
+      </p:sp>
+      <p:sp>
+        <p:nvSpPr>
+          <p:cNvPr id="6" name="Fußzeilenplatzhalter 5"/>
+          <p:cNvSpPr>
+            <a:spLocks noGrp="1"/>
+          </p:cNvSpPr>
+          <p:nvPr>
+            <p:ph type="ftr" sz="quarter" idx="4"/>
+          </p:nvPr>
+        </p:nvSpPr>
+        <p:spPr>
+          <a:xfrm>
+            <a:off x="0" y="8685213"/>
+            <a:ext cx="2971800" cy="458787"/>
+          </a:xfrm>
+          <a:prstGeom prst="rect">
+            <a:avLst/>
+          </a:prstGeom>
+        </p:spPr>
+        <p:txBody>
+          <a:bodyPr vert="horz" lIns="91440" tIns="45720" rIns="91440" bIns="45720" rtlCol="0" anchor="b"/>
+          <a:lstStyle>
+            <a:lvl1pPr algn="l">
+              <a:defRPr sz="1200"/>
+            </a:lvl1pPr>
+          </a:lstStyle>
+          <a:p>
+            <a:endParaRPr lang="LID4096"/>
+          </a:p>
+        </p:txBody>
+      </p:sp>
+      <p:sp>
+        <p:nvSpPr>
+          <p:cNvPr id="7" name="Foliennummernplatzhalter 6"/>
+          <p:cNvSpPr>
+            <a:spLocks noGrp="1"/>
+          </p:cNvSpPr>
+          <p:nvPr>
+            <p:ph type="sldNum" sz="quarter" idx="5"/>
+          </p:nvPr>
+        </p:nvSpPr>
+        <p:spPr>
+          <a:xfrm>
+            <a:off x="3884613" y="8685213"/>
+            <a:ext cx="2971800" cy="458787"/>
+          </a:xfrm>
+          <a:prstGeom prst="rect">
+            <a:avLst/>
+          </a:prstGeom>
+        </p:spPr>
+        <p:txBody>
+          <a:bodyPr vert="horz" lIns="91440" tIns="45720" rIns="91440" bIns="45720" rtlCol="0" anchor="b"/>
+          <a:lstStyle>
+            <a:lvl1pPr algn="r">
+              <a:defRPr sz="1200"/>
+            </a:lvl1pPr>
+          </a:lstStyle>
+          <a:p>
+            <a:fld id="{B636B5DD-76B4-43A2-B64E-341CBDDABB26}" type="slidenum">
+              <a:rPr lang="LID4096" smtClean="0"/>
+              <a:t>‹Nr.›</a:t>
+            </a:fld>
+            <a:endParaRPr lang="LID4096"/>
+          </a:p>
+        </p:txBody>
+      </p:sp>
+    </p:spTree>
+    <p:extLst>
+      <p:ext uri="{BB962C8B-B14F-4D97-AF65-F5344CB8AC3E}">
+        <p14:creationId xmlns:p14="http://schemas.microsoft.com/office/powerpoint/2010/main" val="1414274490"/>
+      </p:ext>
+    </p:extLst>
+  </p:cSld>
+  <p:clrMap bg1="lt1" tx1="dk1" bg2="lt2" tx2="dk2" accent1="accent1" accent2="accent2" accent3="accent3" accent4="accent4" accent5="accent5" accent6="accent6" hlink="hlink" folHlink="folHlink"/>
+  <p:notesStyle>
+    <a:lvl1pPr marL="0" algn="l" defTabSz="914400" rtl="0" eaLnBrk="1" latinLnBrk="0" hangingPunct="1">
+      <a:defRPr sz="1200" kern="1200">
+        <a:solidFill>
+          <a:schemeClr val="tx1"/>
+        </a:solidFill>
+        <a:latin typeface="+mn-lt"/>
+        <a:ea typeface="+mn-ea"/>
+        <a:cs typeface="+mn-cs"/>
+      </a:defRPr>
+    </a:lvl1pPr>
+    <a:lvl2pPr marL="457200" algn="l" defTabSz="914400" rtl="0" eaLnBrk="1" latinLnBrk="0" hangingPunct="1">
+      <a:defRPr sz="1200" kern="1200">
+        <a:solidFill>
+          <a:schemeClr val="tx1"/>
+        </a:solidFill>
+        <a:latin typeface="+mn-lt"/>
+        <a:ea typeface="+mn-ea"/>
+        <a:cs typeface="+mn-cs"/>
+      </a:defRPr>
+    </a:lvl2pPr>
+    <a:lvl3pPr marL="914400" algn="l" defTabSz="914400" rtl="0" eaLnBrk="1" latinLnBrk="0" hangingPunct="1">
+      <a:defRPr sz="1200" kern="1200">
+        <a:solidFill>
+          <a:schemeClr val="tx1"/>
+        </a:solidFill>
+        <a:latin typeface="+mn-lt"/>
+        <a:ea typeface="+mn-ea"/>
+        <a:cs typeface="+mn-cs"/>
+      </a:defRPr>
+    </a:lvl3pPr>
+    <a:lvl4pPr marL="1371600" algn="l" defTabSz="914400" rtl="0" eaLnBrk="1" latinLnBrk="0" hangingPunct="1">
+      <a:defRPr sz="1200" kern="1200">
+        <a:solidFill>
+          <a:schemeClr val="tx1"/>
+        </a:solidFill>
+        <a:latin typeface="+mn-lt"/>
+        <a:ea typeface="+mn-ea"/>
+        <a:cs typeface="+mn-cs"/>
+      </a:defRPr>
+    </a:lvl4pPr>
+    <a:lvl5pPr marL="1828800" algn="l" defTabSz="914400" rtl="0" eaLnBrk="1" latinLnBrk="0" hangingPunct="1">
+      <a:defRPr sz="1200" kern="1200">
+        <a:solidFill>
+          <a:schemeClr val="tx1"/>
+        </a:solidFill>
+        <a:latin typeface="+mn-lt"/>
+        <a:ea typeface="+mn-ea"/>
+        <a:cs typeface="+mn-cs"/>
+      </a:defRPr>
+    </a:lvl5pPr>
+    <a:lvl6pPr marL="2286000" algn="l" defTabSz="914400" rtl="0" eaLnBrk="1" latinLnBrk="0" hangingPunct="1">
+      <a:defRPr sz="1200" kern="1200">
+        <a:solidFill>
+          <a:schemeClr val="tx1"/>
+        </a:solidFill>
+        <a:latin typeface="+mn-lt"/>
+        <a:ea typeface="+mn-ea"/>
+        <a:cs typeface="+mn-cs"/>
+      </a:defRPr>
+    </a:lvl6pPr>
+    <a:lvl7pPr marL="2743200" algn="l" defTabSz="914400" rtl="0" eaLnBrk="1" latinLnBrk="0" hangingPunct="1">
+      <a:defRPr sz="1200" kern="1200">
+        <a:solidFill>
+          <a:schemeClr val="tx1"/>
+        </a:solidFill>
+        <a:latin typeface="+mn-lt"/>
+        <a:ea typeface="+mn-ea"/>
+        <a:cs typeface="+mn-cs"/>
+      </a:defRPr>
+    </a:lvl7pPr>
+    <a:lvl8pPr marL="3200400" algn="l" defTabSz="914400" rtl="0" eaLnBrk="1" latinLnBrk="0" hangingPunct="1">
+      <a:defRPr sz="1200" kern="1200">
+        <a:solidFill>
+          <a:schemeClr val="tx1"/>
+        </a:solidFill>
+        <a:latin typeface="+mn-lt"/>
+        <a:ea typeface="+mn-ea"/>
+        <a:cs typeface="+mn-cs"/>
+      </a:defRPr>
+    </a:lvl8pPr>
+    <a:lvl9pPr marL="3657600" algn="l" defTabSz="914400" rtl="0" eaLnBrk="1" latinLnBrk="0" hangingPunct="1">
+      <a:defRPr sz="1200" kern="1200">
+        <a:solidFill>
+          <a:schemeClr val="tx1"/>
+        </a:solidFill>
+        <a:latin typeface="+mn-lt"/>
+        <a:ea typeface="+mn-ea"/>
+        <a:cs typeface="+mn-cs"/>
+      </a:defRPr>
+    </a:lvl9pPr>
+  </p:notesStyle>
+</p:notesMaster>
+</file>
+
+<file path=ppt/notesSlides/notesSlide1.xml><?xml version="1.0" encoding="utf-8"?>
+<p:notes xmlns:a="http://schemas.openxmlformats.org/drawingml/2006/main" xmlns:r="http://schemas.openxmlformats.org/officeDocument/2006/relationships" xmlns:p="http://schemas.openxmlformats.org/presentationml/2006/main">
+  <p:cSld>
+    <p:spTree>
+      <p:nvGrpSpPr>
+        <p:cNvPr id="1" name=""/>
+        <p:cNvGrpSpPr/>
+        <p:nvPr/>
+      </p:nvGrpSpPr>
+      <p:grpSpPr>
+        <a:xfrm>
+          <a:off x="0" y="0"/>
+          <a:ext cx="0" cy="0"/>
+          <a:chOff x="0" y="0"/>
+          <a:chExt cx="0" cy="0"/>
+        </a:xfrm>
+      </p:grpSpPr>
+      <p:sp>
+        <p:nvSpPr>
+          <p:cNvPr id="2" name="Folienbildplatzhalter 1"/>
+          <p:cNvSpPr>
+            <a:spLocks noGrp="1" noRot="1" noChangeAspect="1"/>
+          </p:cNvSpPr>
+          <p:nvPr>
+            <p:ph type="sldImg"/>
+          </p:nvPr>
+        </p:nvSpPr>
+        <p:spPr/>
+      </p:sp>
+      <p:sp>
+        <p:nvSpPr>
+          <p:cNvPr id="3" name="Notizenplatzhalter 2"/>
+          <p:cNvSpPr>
+            <a:spLocks noGrp="1"/>
+          </p:cNvSpPr>
+          <p:nvPr>
+            <p:ph type="body" idx="1"/>
+          </p:nvPr>
+        </p:nvSpPr>
+        <p:spPr/>
+        <p:txBody>
+          <a:bodyPr/>
+          <a:lstStyle/>
+          <a:p>
+            <a:pPr marL="457200" lvl="1" indent="0">
+              <a:buFontTx/>
+              <a:buNone/>
+            </a:pPr>
+            <a:endParaRPr lang="de-DE" dirty="0"/>
+          </a:p>
+        </p:txBody>
+      </p:sp>
+      <p:sp>
+        <p:nvSpPr>
+          <p:cNvPr id="4" name="Foliennummernplatzhalter 3"/>
+          <p:cNvSpPr>
+            <a:spLocks noGrp="1"/>
+          </p:cNvSpPr>
+          <p:nvPr>
+            <p:ph type="sldNum" sz="quarter" idx="5"/>
+          </p:nvPr>
+        </p:nvSpPr>
+        <p:spPr/>
+        <p:txBody>
+          <a:bodyPr/>
+          <a:lstStyle/>
+          <a:p>
+            <a:fld id="{B636B5DD-76B4-43A2-B64E-341CBDDABB26}" type="slidenum">
+              <a:rPr lang="LID4096" smtClean="0"/>
+              <a:t>1</a:t>
+            </a:fld>
+            <a:endParaRPr lang="LID4096"/>
+          </a:p>
+        </p:txBody>
+      </p:sp>
+    </p:spTree>
+    <p:extLst>
+      <p:ext uri="{BB962C8B-B14F-4D97-AF65-F5344CB8AC3E}">
+        <p14:creationId xmlns:p14="http://schemas.microsoft.com/office/powerpoint/2010/main" val="3829163727"/>
+      </p:ext>
+    </p:extLst>
+  </p:cSld>
+  <p:clrMapOvr>
+    <a:masterClrMapping/>
+  </p:clrMapOvr>
+</p:notes>
+</file>
+
+<file path=ppt/notesSlides/notesSlide2.xml><?xml version="1.0" encoding="utf-8"?>
+<p:notes xmlns:a="http://schemas.openxmlformats.org/drawingml/2006/main" xmlns:r="http://schemas.openxmlformats.org/officeDocument/2006/relationships" xmlns:p="http://schemas.openxmlformats.org/presentationml/2006/main">
+  <p:cSld>
+    <p:spTree>
+      <p:nvGrpSpPr>
+        <p:cNvPr id="1" name=""/>
+        <p:cNvGrpSpPr/>
+        <p:nvPr/>
+      </p:nvGrpSpPr>
+      <p:grpSpPr>
+        <a:xfrm>
+          <a:off x="0" y="0"/>
+          <a:ext cx="0" cy="0"/>
+          <a:chOff x="0" y="0"/>
+          <a:chExt cx="0" cy="0"/>
+        </a:xfrm>
+      </p:grpSpPr>
+      <p:sp>
+        <p:nvSpPr>
+          <p:cNvPr id="2" name="Folienbildplatzhalter 1"/>
+          <p:cNvSpPr>
+            <a:spLocks noGrp="1" noRot="1" noChangeAspect="1"/>
+          </p:cNvSpPr>
+          <p:nvPr>
+            <p:ph type="sldImg"/>
+          </p:nvPr>
+        </p:nvSpPr>
+        <p:spPr/>
+      </p:sp>
+      <p:sp>
+        <p:nvSpPr>
+          <p:cNvPr id="3" name="Notizenplatzhalter 2"/>
+          <p:cNvSpPr>
+            <a:spLocks noGrp="1"/>
+          </p:cNvSpPr>
+          <p:nvPr>
+            <p:ph type="body" idx="1"/>
+          </p:nvPr>
+        </p:nvSpPr>
+        <p:spPr/>
+        <p:txBody>
+          <a:bodyPr/>
+          <a:lstStyle/>
+          <a:p>
+            <a:r>
+              <a:rPr lang="de-DE" dirty="0"/>
+              <a:t>Website </a:t>
+            </a:r>
+            <a:r>
+              <a:rPr lang="de-DE" dirty="0" err="1"/>
+              <a:t>presentation</a:t>
+            </a:r>
+            <a:r>
+              <a:rPr lang="de-DE" dirty="0"/>
+              <a:t>:</a:t>
+            </a:r>
+          </a:p>
+          <a:p>
+            <a:pPr marL="171450" indent="-171450">
+              <a:buFontTx/>
+              <a:buChar char="-"/>
+            </a:pPr>
+            <a:r>
+              <a:rPr lang="de-DE" dirty="0" err="1"/>
+              <a:t>navigation</a:t>
+            </a:r>
+            <a:r>
+              <a:rPr lang="de-DE" dirty="0"/>
+              <a:t>, </a:t>
+            </a:r>
+            <a:r>
+              <a:rPr lang="de-DE" dirty="0" err="1"/>
+              <a:t>page</a:t>
+            </a:r>
+            <a:r>
+              <a:rPr lang="de-DE" dirty="0"/>
+              <a:t> </a:t>
+            </a:r>
+            <a:r>
+              <a:rPr lang="de-DE" dirty="0" err="1"/>
+              <a:t>structure</a:t>
+            </a:r>
+            <a:r>
+              <a:rPr lang="de-DE" dirty="0"/>
+              <a:t>, </a:t>
+            </a:r>
+            <a:r>
+              <a:rPr lang="de-DE" dirty="0" err="1"/>
+              <a:t>toggles</a:t>
+            </a:r>
+            <a:endParaRPr lang="de-DE" dirty="0"/>
+          </a:p>
+          <a:p>
+            <a:pPr marL="171450" indent="-171450">
+              <a:buFontTx/>
+              <a:buChar char="-"/>
+            </a:pPr>
+            <a:r>
+              <a:rPr lang="de-DE" dirty="0"/>
+              <a:t>o</a:t>
+            </a:r>
+            <a:r>
+              <a:rPr lang="de-DE"/>
+              <a:t>rder</a:t>
+            </a:r>
+            <a:r>
+              <a:rPr lang="de-DE" dirty="0"/>
+              <a:t> </a:t>
+            </a:r>
+            <a:r>
+              <a:rPr lang="de-DE" dirty="0" err="1"/>
+              <a:t>of</a:t>
+            </a:r>
+            <a:r>
+              <a:rPr lang="de-DE" dirty="0"/>
+              <a:t> </a:t>
+            </a:r>
+            <a:r>
+              <a:rPr lang="de-DE" dirty="0" err="1"/>
+              <a:t>questions</a:t>
+            </a:r>
+            <a:r>
+              <a:rPr lang="de-DE" dirty="0"/>
+              <a:t>: </a:t>
+            </a:r>
+          </a:p>
+          <a:p>
+            <a:pPr marL="628650" lvl="1" indent="-171450">
+              <a:buFontTx/>
+              <a:buChar char="-"/>
+            </a:pPr>
+            <a:r>
+              <a:rPr lang="de-DE" dirty="0"/>
+              <a:t>5: oberes Diagramm (Was sieht man? -&gt; bekannterer Sport)</a:t>
+            </a:r>
+          </a:p>
+          <a:p>
+            <a:pPr marL="628650" lvl="1" indent="-171450">
+              <a:buFontTx/>
+              <a:buChar char="-"/>
+            </a:pPr>
+            <a:r>
+              <a:rPr lang="de-DE" dirty="0"/>
+              <a:t>2: </a:t>
+            </a:r>
+            <a:r>
+              <a:rPr lang="de-DE" dirty="0" err="1"/>
+              <a:t>average</a:t>
+            </a:r>
+            <a:r>
+              <a:rPr lang="de-DE" dirty="0"/>
+              <a:t> Erklärung, oberes Diagramm, </a:t>
+            </a:r>
+            <a:r>
+              <a:rPr lang="de-DE" dirty="0" err="1"/>
+              <a:t>show</a:t>
+            </a:r>
+            <a:r>
+              <a:rPr lang="de-DE" dirty="0"/>
+              <a:t> all </a:t>
+            </a:r>
+            <a:r>
+              <a:rPr lang="de-DE" dirty="0" err="1"/>
+              <a:t>tournaments</a:t>
+            </a:r>
+            <a:r>
+              <a:rPr lang="de-DE" dirty="0"/>
+              <a:t> (Was sieht man? -&gt; </a:t>
+            </a:r>
+            <a:r>
+              <a:rPr lang="de-DE" dirty="0" err="1"/>
+              <a:t>Nievau</a:t>
+            </a:r>
+            <a:r>
+              <a:rPr lang="de-DE" dirty="0"/>
+              <a:t> mit wachsen des Sports angestiegen)</a:t>
+            </a:r>
+          </a:p>
+          <a:p>
+            <a:pPr marL="628650" lvl="1" indent="-171450">
+              <a:buFontTx/>
+              <a:buChar char="-"/>
+            </a:pPr>
+            <a:r>
+              <a:rPr lang="de-DE" dirty="0"/>
+              <a:t>4: </a:t>
+            </a:r>
+            <a:r>
+              <a:rPr lang="de-DE" dirty="0" err="1"/>
+              <a:t>checkout</a:t>
+            </a:r>
+            <a:r>
+              <a:rPr lang="de-DE" dirty="0"/>
+              <a:t> </a:t>
+            </a:r>
+            <a:r>
+              <a:rPr lang="de-DE" dirty="0" err="1"/>
+              <a:t>percentage</a:t>
+            </a:r>
+            <a:r>
+              <a:rPr lang="de-DE" dirty="0"/>
+              <a:t> Erklärung, unteres Diagramm (Was sieht man?)</a:t>
+            </a:r>
+          </a:p>
+          <a:p>
+            <a:pPr marL="628650" lvl="1" indent="-171450">
+              <a:buFontTx/>
+              <a:buChar char="-"/>
+            </a:pPr>
+            <a:r>
+              <a:rPr lang="de-DE" dirty="0"/>
+              <a:t>6: </a:t>
+            </a:r>
+            <a:r>
+              <a:rPr lang="de-DE" dirty="0" err="1"/>
+              <a:t>choose</a:t>
+            </a:r>
+            <a:r>
+              <a:rPr lang="de-DE" dirty="0"/>
+              <a:t> </a:t>
+            </a:r>
+            <a:r>
+              <a:rPr lang="de-DE" dirty="0" err="1"/>
+              <a:t>option</a:t>
+            </a:r>
+            <a:r>
+              <a:rPr lang="de-DE" dirty="0"/>
+              <a:t>, 8 </a:t>
+            </a:r>
+            <a:r>
+              <a:rPr lang="de-DE" dirty="0" err="1"/>
+              <a:t>ranks</a:t>
+            </a:r>
+            <a:r>
+              <a:rPr lang="de-DE" dirty="0"/>
+              <a:t>, </a:t>
+            </a:r>
+            <a:r>
+              <a:rPr lang="de-DE" dirty="0" err="1"/>
+              <a:t>age</a:t>
+            </a:r>
+            <a:r>
+              <a:rPr lang="de-DE" dirty="0"/>
+              <a:t>, </a:t>
+            </a:r>
+            <a:r>
+              <a:rPr lang="de-DE" dirty="0" err="1"/>
+              <a:t>nationality</a:t>
+            </a:r>
+            <a:r>
+              <a:rPr lang="de-DE" dirty="0"/>
+              <a:t>,</a:t>
+            </a:r>
+          </a:p>
+          <a:p>
+            <a:pPr marL="628650" lvl="1" indent="-171450">
+              <a:buFontTx/>
+              <a:buChar char="-"/>
+            </a:pPr>
+            <a:r>
+              <a:rPr lang="de-DE" dirty="0"/>
+              <a:t>15: </a:t>
+            </a:r>
+            <a:r>
+              <a:rPr lang="de-DE" dirty="0" err="1"/>
+              <a:t>show</a:t>
+            </a:r>
+            <a:r>
+              <a:rPr lang="de-DE" dirty="0"/>
+              <a:t> </a:t>
+            </a:r>
+            <a:r>
+              <a:rPr lang="de-DE" dirty="0" err="1"/>
+              <a:t>toggle</a:t>
+            </a:r>
+            <a:r>
+              <a:rPr lang="de-DE" dirty="0"/>
+              <a:t>, </a:t>
+            </a:r>
+            <a:r>
+              <a:rPr lang="de-DE" dirty="0" err="1"/>
+              <a:t>luke</a:t>
+            </a:r>
+            <a:r>
+              <a:rPr lang="de-DE" dirty="0"/>
+              <a:t> </a:t>
+            </a:r>
+            <a:r>
+              <a:rPr lang="de-DE" dirty="0" err="1"/>
+              <a:t>humphries</a:t>
+            </a:r>
+            <a:r>
+              <a:rPr lang="de-DE" dirty="0"/>
+              <a:t> (Was sieht man?)</a:t>
+            </a:r>
+          </a:p>
+          <a:p>
+            <a:endParaRPr lang="LID4096" dirty="0"/>
+          </a:p>
+        </p:txBody>
+      </p:sp>
+      <p:sp>
+        <p:nvSpPr>
+          <p:cNvPr id="4" name="Foliennummernplatzhalter 3"/>
+          <p:cNvSpPr>
+            <a:spLocks noGrp="1"/>
+          </p:cNvSpPr>
+          <p:nvPr>
+            <p:ph type="sldNum" sz="quarter" idx="5"/>
+          </p:nvPr>
+        </p:nvSpPr>
+        <p:spPr/>
+        <p:txBody>
+          <a:bodyPr/>
+          <a:lstStyle/>
+          <a:p>
+            <a:fld id="{B636B5DD-76B4-43A2-B64E-341CBDDABB26}" type="slidenum">
+              <a:rPr lang="LID4096" smtClean="0"/>
+              <a:t>5</a:t>
+            </a:fld>
+            <a:endParaRPr lang="LID4096"/>
+          </a:p>
+        </p:txBody>
+      </p:sp>
+    </p:spTree>
+    <p:extLst>
+      <p:ext uri="{BB962C8B-B14F-4D97-AF65-F5344CB8AC3E}">
+        <p14:creationId xmlns:p14="http://schemas.microsoft.com/office/powerpoint/2010/main" val="2996900355"/>
+      </p:ext>
+    </p:extLst>
+  </p:cSld>
+  <p:clrMapOvr>
+    <a:masterClrMapping/>
+  </p:clrMapOvr>
+</p:notes>
 </file>
 
 <file path=ppt/slideLayouts/slideLayout1.xml><?xml version="1.0" encoding="utf-8"?>
@@ -8264,6 +9043,597 @@
     <p:extLst>
       <p:ext uri="{BB962C8B-B14F-4D97-AF65-F5344CB8AC3E}">
         <p14:creationId xmlns:p14="http://schemas.microsoft.com/office/powerpoint/2010/main" val="3279404678"/>
+      </p:ext>
+    </p:extLst>
+  </p:cSld>
+  <p:clrMapOvr>
+    <a:masterClrMapping/>
+  </p:clrMapOvr>
+</p:sld>
+</file>
+
+<file path=ppt/slides/slide5.xml><?xml version="1.0" encoding="utf-8"?>
+<p:sld xmlns:a="http://schemas.openxmlformats.org/drawingml/2006/main" xmlns:r="http://schemas.openxmlformats.org/officeDocument/2006/relationships" xmlns:p="http://schemas.openxmlformats.org/presentationml/2006/main">
+  <p:cSld>
+    <p:bg>
+      <p:bgPr>
+        <a:solidFill>
+          <a:schemeClr val="bg1"/>
+        </a:solidFill>
+        <a:effectLst/>
+      </p:bgPr>
+    </p:bg>
+    <p:spTree>
+      <p:nvGrpSpPr>
+        <p:cNvPr id="1" name="">
+          <a:extLst>
+            <a:ext uri="{FF2B5EF4-FFF2-40B4-BE49-F238E27FC236}">
+              <a16:creationId xmlns:a16="http://schemas.microsoft.com/office/drawing/2014/main" id="{270408B4-B4AD-5031-2FA0-B49C7C1FDC0C}"/>
+            </a:ext>
+          </a:extLst>
+        </p:cNvPr>
+        <p:cNvGrpSpPr/>
+        <p:nvPr/>
+      </p:nvGrpSpPr>
+      <p:grpSpPr>
+        <a:xfrm>
+          <a:off x="0" y="0"/>
+          <a:ext cx="0" cy="0"/>
+          <a:chOff x="0" y="0"/>
+          <a:chExt cx="0" cy="0"/>
+        </a:xfrm>
+      </p:grpSpPr>
+      <p:sp useBgFill="1">
+        <p:nvSpPr>
+          <p:cNvPr id="8" name="Rectangle 7">
+            <a:extLst>
+              <a:ext uri="{FF2B5EF4-FFF2-40B4-BE49-F238E27FC236}">
+                <a16:creationId xmlns:a16="http://schemas.microsoft.com/office/drawing/2014/main" id="{5F308C85-C79D-F6D7-D614-A22BDBE056A0}"/>
+              </a:ext>
+              <a:ext uri="{C183D7F6-B498-43B3-948B-1728B52AA6E4}">
+                <adec:decorative xmlns:adec="http://schemas.microsoft.com/office/drawing/2017/decorative" val="1"/>
+              </a:ext>
+            </a:extLst>
+          </p:cNvPr>
+          <p:cNvSpPr>
+            <a:spLocks noGrp="1" noRot="1" noChangeAspect="1" noMove="1" noResize="1" noEditPoints="1" noAdjustHandles="1" noChangeArrowheads="1" noChangeShapeType="1" noTextEdit="1"/>
+          </p:cNvSpPr>
+          <p:nvPr>
+            <p:extLst>
+              <p:ext uri="{386F3935-93C4-4BCD-93E2-E3B085C9AB24}">
+                <p16:designElem xmlns:p16="http://schemas.microsoft.com/office/powerpoint/2015/main" val="1"/>
+              </p:ext>
+            </p:extLst>
+          </p:nvPr>
+        </p:nvSpPr>
+        <p:spPr>
+          <a:xfrm>
+            <a:off x="0" y="0"/>
+            <a:ext cx="12192000" cy="6858000"/>
+          </a:xfrm>
+          <a:prstGeom prst="rect">
+            <a:avLst/>
+          </a:prstGeom>
+          <a:ln w="12700" cap="flat" cmpd="sng" algn="ctr">
+            <a:noFill/>
+            <a:prstDash val="solid"/>
+            <a:miter lim="800000"/>
+          </a:ln>
+          <a:effectLst/>
+          <a:extLst>
+            <a:ext uri="{91240B29-F687-4F45-9708-019B960494DF}">
+              <a14:hiddenLine xmlns:a14="http://schemas.microsoft.com/office/drawing/2010/main" w="12700" cap="flat" cmpd="sng" algn="ctr">
+                <a:solidFill>
+                  <a:schemeClr val="accent1">
+                    <a:shade val="50000"/>
+                  </a:schemeClr>
+                </a:solidFill>
+                <a:prstDash val="solid"/>
+                <a:miter lim="800000"/>
+              </a14:hiddenLine>
+            </a:ext>
+          </a:extLst>
+        </p:spPr>
+        <p:style>
+          <a:lnRef idx="2">
+            <a:schemeClr val="accent1">
+              <a:shade val="50000"/>
+            </a:schemeClr>
+          </a:lnRef>
+          <a:fillRef idx="1">
+            <a:schemeClr val="accent1"/>
+          </a:fillRef>
+          <a:effectRef idx="0">
+            <a:schemeClr val="accent1"/>
+          </a:effectRef>
+          <a:fontRef idx="minor">
+            <a:schemeClr val="lt1"/>
+          </a:fontRef>
+        </p:style>
+        <p:txBody>
+          <a:bodyPr rtlCol="0" anchor="ctr"/>
+          <a:lstStyle/>
+          <a:p>
+            <a:pPr algn="ctr"/>
+            <a:endParaRPr lang="en-US"/>
+          </a:p>
+        </p:txBody>
+      </p:sp>
+      <p:sp>
+        <p:nvSpPr>
+          <p:cNvPr id="10" name="Rectangle 9">
+            <a:extLst>
+              <a:ext uri="{FF2B5EF4-FFF2-40B4-BE49-F238E27FC236}">
+                <a16:creationId xmlns:a16="http://schemas.microsoft.com/office/drawing/2014/main" id="{F4FD0FAB-7641-A4CA-61B8-7DD6E99CA6EE}"/>
+              </a:ext>
+              <a:ext uri="{C183D7F6-B498-43B3-948B-1728B52AA6E4}">
+                <adec:decorative xmlns:adec="http://schemas.microsoft.com/office/drawing/2017/decorative" val="1"/>
+              </a:ext>
+            </a:extLst>
+          </p:cNvPr>
+          <p:cNvSpPr>
+            <a:spLocks noGrp="1" noRot="1" noChangeAspect="1" noMove="1" noResize="1" noEditPoints="1" noAdjustHandles="1" noChangeArrowheads="1" noChangeShapeType="1" noTextEdit="1"/>
+          </p:cNvSpPr>
+          <p:nvPr>
+            <p:extLst>
+              <p:ext uri="{386F3935-93C4-4BCD-93E2-E3B085C9AB24}">
+                <p16:designElem xmlns:p16="http://schemas.microsoft.com/office/powerpoint/2015/main" val="1"/>
+              </p:ext>
+            </p:extLst>
+          </p:nvPr>
+        </p:nvSpPr>
+        <p:spPr>
+          <a:xfrm rot="5400000" flipH="1">
+            <a:off x="-638515" y="639280"/>
+            <a:ext cx="6858000" cy="5579440"/>
+          </a:xfrm>
+          <a:prstGeom prst="rect">
+            <a:avLst/>
+          </a:prstGeom>
+          <a:gradFill>
+            <a:gsLst>
+              <a:gs pos="8000">
+                <a:srgbClr val="000000"/>
+              </a:gs>
+              <a:gs pos="100000">
+                <a:schemeClr val="accent1">
+                  <a:lumMod val="75000"/>
+                </a:schemeClr>
+              </a:gs>
+            </a:gsLst>
+            <a:lin ang="3000000" scaled="0"/>
+          </a:gradFill>
+          <a:ln>
+            <a:noFill/>
+          </a:ln>
+        </p:spPr>
+        <p:style>
+          <a:lnRef idx="2">
+            <a:schemeClr val="accent1">
+              <a:shade val="50000"/>
+            </a:schemeClr>
+          </a:lnRef>
+          <a:fillRef idx="1">
+            <a:schemeClr val="accent1"/>
+          </a:fillRef>
+          <a:effectRef idx="0">
+            <a:schemeClr val="accent1"/>
+          </a:effectRef>
+          <a:fontRef idx="minor">
+            <a:schemeClr val="lt1"/>
+          </a:fontRef>
+        </p:style>
+        <p:txBody>
+          <a:bodyPr rtlCol="0" anchor="ctr"/>
+          <a:lstStyle/>
+          <a:p>
+            <a:pPr algn="ctr"/>
+            <a:endParaRPr lang="en-US"/>
+          </a:p>
+        </p:txBody>
+      </p:sp>
+      <p:sp>
+        <p:nvSpPr>
+          <p:cNvPr id="12" name="Rectangle 11">
+            <a:extLst>
+              <a:ext uri="{FF2B5EF4-FFF2-40B4-BE49-F238E27FC236}">
+                <a16:creationId xmlns:a16="http://schemas.microsoft.com/office/drawing/2014/main" id="{E59F9943-1B22-D4CC-95D2-9E4A300D7D19}"/>
+              </a:ext>
+              <a:ext uri="{C183D7F6-B498-43B3-948B-1728B52AA6E4}">
+                <adec:decorative xmlns:adec="http://schemas.microsoft.com/office/drawing/2017/decorative" val="1"/>
+              </a:ext>
+            </a:extLst>
+          </p:cNvPr>
+          <p:cNvSpPr>
+            <a:spLocks noGrp="1" noRot="1" noChangeAspect="1" noMove="1" noResize="1" noEditPoints="1" noAdjustHandles="1" noChangeArrowheads="1" noChangeShapeType="1" noTextEdit="1"/>
+          </p:cNvSpPr>
+          <p:nvPr>
+            <p:extLst>
+              <p:ext uri="{386F3935-93C4-4BCD-93E2-E3B085C9AB24}">
+                <p16:designElem xmlns:p16="http://schemas.microsoft.com/office/powerpoint/2015/main" val="1"/>
+              </p:ext>
+            </p:extLst>
+          </p:nvPr>
+        </p:nvSpPr>
+        <p:spPr>
+          <a:xfrm rot="5400000" flipH="1">
+            <a:off x="-393206" y="395206"/>
+            <a:ext cx="6346209" cy="5576080"/>
+          </a:xfrm>
+          <a:prstGeom prst="rect">
+            <a:avLst/>
+          </a:prstGeom>
+          <a:gradFill>
+            <a:gsLst>
+              <a:gs pos="0">
+                <a:srgbClr val="000000">
+                  <a:alpha val="0"/>
+                </a:srgbClr>
+              </a:gs>
+              <a:gs pos="99000">
+                <a:schemeClr val="accent1">
+                  <a:alpha val="0"/>
+                </a:schemeClr>
+              </a:gs>
+            </a:gsLst>
+            <a:lin ang="1800000" scaled="0"/>
+          </a:gradFill>
+          <a:ln>
+            <a:noFill/>
+          </a:ln>
+        </p:spPr>
+        <p:style>
+          <a:lnRef idx="2">
+            <a:schemeClr val="accent1">
+              <a:shade val="50000"/>
+            </a:schemeClr>
+          </a:lnRef>
+          <a:fillRef idx="1">
+            <a:schemeClr val="accent1"/>
+          </a:fillRef>
+          <a:effectRef idx="0">
+            <a:schemeClr val="accent1"/>
+          </a:effectRef>
+          <a:fontRef idx="minor">
+            <a:schemeClr val="lt1"/>
+          </a:fontRef>
+        </p:style>
+        <p:txBody>
+          <a:bodyPr rtlCol="0" anchor="ctr"/>
+          <a:lstStyle/>
+          <a:p>
+            <a:pPr algn="ctr"/>
+            <a:endParaRPr lang="en-US"/>
+          </a:p>
+        </p:txBody>
+      </p:sp>
+      <p:sp>
+        <p:nvSpPr>
+          <p:cNvPr id="14" name="Rectangle 13">
+            <a:extLst>
+              <a:ext uri="{FF2B5EF4-FFF2-40B4-BE49-F238E27FC236}">
+                <a16:creationId xmlns:a16="http://schemas.microsoft.com/office/drawing/2014/main" id="{CCFF6ECD-4D46-F375-838E-905392FAF656}"/>
+              </a:ext>
+              <a:ext uri="{C183D7F6-B498-43B3-948B-1728B52AA6E4}">
+                <adec:decorative xmlns:adec="http://schemas.microsoft.com/office/drawing/2017/decorative" val="1"/>
+              </a:ext>
+            </a:extLst>
+          </p:cNvPr>
+          <p:cNvSpPr>
+            <a:spLocks noGrp="1" noRot="1" noChangeAspect="1" noMove="1" noResize="1" noEditPoints="1" noAdjustHandles="1" noChangeArrowheads="1" noChangeShapeType="1" noTextEdit="1"/>
+          </p:cNvSpPr>
+          <p:nvPr>
+            <p:extLst>
+              <p:ext uri="{386F3935-93C4-4BCD-93E2-E3B085C9AB24}">
+                <p16:designElem xmlns:p16="http://schemas.microsoft.com/office/powerpoint/2015/main" val="1"/>
+              </p:ext>
+            </p:extLst>
+          </p:nvPr>
+        </p:nvSpPr>
+        <p:spPr>
+          <a:xfrm rot="5400000" flipH="1">
+            <a:off x="1528907" y="2818967"/>
+            <a:ext cx="2501979" cy="5576080"/>
+          </a:xfrm>
+          <a:prstGeom prst="rect">
+            <a:avLst/>
+          </a:prstGeom>
+          <a:gradFill>
+            <a:gsLst>
+              <a:gs pos="2000">
+                <a:schemeClr val="accent1">
+                  <a:alpha val="29000"/>
+                </a:schemeClr>
+              </a:gs>
+              <a:gs pos="100000">
+                <a:srgbClr val="000000">
+                  <a:alpha val="30000"/>
+                </a:srgbClr>
+              </a:gs>
+            </a:gsLst>
+            <a:lin ang="7800000" scaled="0"/>
+          </a:gradFill>
+          <a:ln>
+            <a:noFill/>
+          </a:ln>
+        </p:spPr>
+        <p:style>
+          <a:lnRef idx="2">
+            <a:schemeClr val="accent1">
+              <a:shade val="50000"/>
+            </a:schemeClr>
+          </a:lnRef>
+          <a:fillRef idx="1">
+            <a:schemeClr val="accent1"/>
+          </a:fillRef>
+          <a:effectRef idx="0">
+            <a:schemeClr val="accent1"/>
+          </a:effectRef>
+          <a:fontRef idx="minor">
+            <a:schemeClr val="lt1"/>
+          </a:fontRef>
+        </p:style>
+        <p:txBody>
+          <a:bodyPr rtlCol="0" anchor="ctr"/>
+          <a:lstStyle/>
+          <a:p>
+            <a:pPr algn="ctr"/>
+            <a:endParaRPr lang="en-US" dirty="0"/>
+          </a:p>
+        </p:txBody>
+      </p:sp>
+      <p:sp>
+        <p:nvSpPr>
+          <p:cNvPr id="16" name="Rectangle 15">
+            <a:extLst>
+              <a:ext uri="{FF2B5EF4-FFF2-40B4-BE49-F238E27FC236}">
+                <a16:creationId xmlns:a16="http://schemas.microsoft.com/office/drawing/2014/main" id="{35D3601C-E7B4-7EF1-E79E-10B91CA11E52}"/>
+              </a:ext>
+              <a:ext uri="{C183D7F6-B498-43B3-948B-1728B52AA6E4}">
+                <adec:decorative xmlns:adec="http://schemas.microsoft.com/office/drawing/2017/decorative" val="1"/>
+              </a:ext>
+            </a:extLst>
+          </p:cNvPr>
+          <p:cNvSpPr>
+            <a:spLocks noGrp="1" noRot="1" noChangeAspect="1" noMove="1" noResize="1" noEditPoints="1" noAdjustHandles="1" noChangeArrowheads="1" noChangeShapeType="1" noTextEdit="1"/>
+          </p:cNvSpPr>
+          <p:nvPr>
+            <p:extLst>
+              <p:ext uri="{386F3935-93C4-4BCD-93E2-E3B085C9AB24}">
+                <p16:designElem xmlns:p16="http://schemas.microsoft.com/office/powerpoint/2015/main" val="1"/>
+              </p:ext>
+            </p:extLst>
+          </p:nvPr>
+        </p:nvSpPr>
+        <p:spPr>
+          <a:xfrm rot="5400000" flipH="1">
+            <a:off x="-425002" y="852793"/>
+            <a:ext cx="6858001" cy="5152412"/>
+          </a:xfrm>
+          <a:prstGeom prst="rect">
+            <a:avLst/>
+          </a:prstGeom>
+          <a:gradFill>
+            <a:gsLst>
+              <a:gs pos="0">
+                <a:srgbClr val="000000">
+                  <a:alpha val="0"/>
+                </a:srgbClr>
+              </a:gs>
+              <a:gs pos="99000">
+                <a:schemeClr val="accent1">
+                  <a:alpha val="11000"/>
+                </a:schemeClr>
+              </a:gs>
+            </a:gsLst>
+            <a:lin ang="7800000" scaled="0"/>
+          </a:gradFill>
+          <a:ln>
+            <a:noFill/>
+          </a:ln>
+        </p:spPr>
+        <p:style>
+          <a:lnRef idx="2">
+            <a:schemeClr val="accent1">
+              <a:shade val="50000"/>
+            </a:schemeClr>
+          </a:lnRef>
+          <a:fillRef idx="1">
+            <a:schemeClr val="accent1"/>
+          </a:fillRef>
+          <a:effectRef idx="0">
+            <a:schemeClr val="accent1"/>
+          </a:effectRef>
+          <a:fontRef idx="minor">
+            <a:schemeClr val="lt1"/>
+          </a:fontRef>
+        </p:style>
+        <p:txBody>
+          <a:bodyPr rtlCol="0" anchor="ctr"/>
+          <a:lstStyle/>
+          <a:p>
+            <a:pPr algn="ctr"/>
+            <a:endParaRPr lang="en-US"/>
+          </a:p>
+        </p:txBody>
+      </p:sp>
+      <p:sp>
+        <p:nvSpPr>
+          <p:cNvPr id="18" name="Oval 17">
+            <a:extLst>
+              <a:ext uri="{FF2B5EF4-FFF2-40B4-BE49-F238E27FC236}">
+                <a16:creationId xmlns:a16="http://schemas.microsoft.com/office/drawing/2014/main" id="{E65C7961-1EE5-3410-FC10-5FFB62AADA90}"/>
+              </a:ext>
+              <a:ext uri="{C183D7F6-B498-43B3-948B-1728B52AA6E4}">
+                <adec:decorative xmlns:adec="http://schemas.microsoft.com/office/drawing/2017/decorative" val="1"/>
+              </a:ext>
+            </a:extLst>
+          </p:cNvPr>
+          <p:cNvSpPr>
+            <a:spLocks noGrp="1" noRot="1" noChangeAspect="1" noMove="1" noResize="1" noEditPoints="1" noAdjustHandles="1" noChangeArrowheads="1" noChangeShapeType="1" noTextEdit="1"/>
+          </p:cNvSpPr>
+          <p:nvPr>
+            <p:extLst>
+              <p:ext uri="{386F3935-93C4-4BCD-93E2-E3B085C9AB24}">
+                <p16:designElem xmlns:p16="http://schemas.microsoft.com/office/powerpoint/2015/main" val="1"/>
+              </p:ext>
+            </p:extLst>
+          </p:nvPr>
+        </p:nvSpPr>
+        <p:spPr>
+          <a:xfrm rot="6097846">
+            <a:off x="818753" y="1128497"/>
+            <a:ext cx="4318303" cy="4318303"/>
+          </a:xfrm>
+          <a:prstGeom prst="ellipse">
+            <a:avLst/>
+          </a:prstGeom>
+          <a:gradFill>
+            <a:gsLst>
+              <a:gs pos="39000">
+                <a:schemeClr val="accent1">
+                  <a:alpha val="0"/>
+                </a:schemeClr>
+              </a:gs>
+              <a:gs pos="100000">
+                <a:schemeClr val="accent1">
+                  <a:lumMod val="60000"/>
+                  <a:lumOff val="40000"/>
+                  <a:alpha val="15000"/>
+                </a:schemeClr>
+              </a:gs>
+            </a:gsLst>
+            <a:lin ang="17400000" scaled="0"/>
+          </a:gradFill>
+          <a:ln>
+            <a:noFill/>
+          </a:ln>
+        </p:spPr>
+        <p:style>
+          <a:lnRef idx="2">
+            <a:schemeClr val="accent1">
+              <a:shade val="50000"/>
+            </a:schemeClr>
+          </a:lnRef>
+          <a:fillRef idx="1">
+            <a:schemeClr val="accent1"/>
+          </a:fillRef>
+          <a:effectRef idx="0">
+            <a:schemeClr val="accent1"/>
+          </a:effectRef>
+          <a:fontRef idx="minor">
+            <a:schemeClr val="lt1"/>
+          </a:fontRef>
+        </p:style>
+        <p:txBody>
+          <a:bodyPr rtlCol="0" anchor="ctr"/>
+          <a:lstStyle/>
+          <a:p>
+            <a:pPr algn="ctr"/>
+            <a:endParaRPr lang="en-US" dirty="0"/>
+          </a:p>
+        </p:txBody>
+      </p:sp>
+      <p:sp>
+        <p:nvSpPr>
+          <p:cNvPr id="2" name="Titel 1">
+            <a:extLst>
+              <a:ext uri="{FF2B5EF4-FFF2-40B4-BE49-F238E27FC236}">
+                <a16:creationId xmlns:a16="http://schemas.microsoft.com/office/drawing/2014/main" id="{0585310D-2E8F-26EA-1A39-D8A2ECA37402}"/>
+              </a:ext>
+            </a:extLst>
+          </p:cNvPr>
+          <p:cNvSpPr>
+            <a:spLocks noGrp="1"/>
+          </p:cNvSpPr>
+          <p:nvPr>
+            <p:ph type="title"/>
+          </p:nvPr>
+        </p:nvSpPr>
+        <p:spPr>
+          <a:xfrm>
+            <a:off x="826396" y="586855"/>
+            <a:ext cx="4230100" cy="3387497"/>
+          </a:xfrm>
+        </p:spPr>
+        <p:txBody>
+          <a:bodyPr anchor="b">
+            <a:normAutofit/>
+          </a:bodyPr>
+          <a:lstStyle/>
+          <a:p>
+            <a:pPr algn="r"/>
+            <a:r>
+              <a:rPr lang="de-DE" sz="4000" dirty="0" err="1">
+                <a:solidFill>
+                  <a:srgbClr val="FFFFFF"/>
+                </a:solidFill>
+              </a:rPr>
+              <a:t>Our</a:t>
+            </a:r>
+            <a:r>
+              <a:rPr lang="de-DE" sz="4000" dirty="0">
+                <a:solidFill>
+                  <a:srgbClr val="FFFFFF"/>
+                </a:solidFill>
+              </a:rPr>
+              <a:t> Website</a:t>
+            </a:r>
+          </a:p>
+        </p:txBody>
+      </p:sp>
+      <p:sp>
+        <p:nvSpPr>
+          <p:cNvPr id="3" name="Inhaltsplatzhalter 2">
+            <a:extLst>
+              <a:ext uri="{FF2B5EF4-FFF2-40B4-BE49-F238E27FC236}">
+                <a16:creationId xmlns:a16="http://schemas.microsoft.com/office/drawing/2014/main" id="{87A2B14D-BE8A-E74B-F7C3-DF8E70AD26C8}"/>
+              </a:ext>
+            </a:extLst>
+          </p:cNvPr>
+          <p:cNvSpPr>
+            <a:spLocks noGrp="1"/>
+          </p:cNvSpPr>
+          <p:nvPr>
+            <p:ph idx="1"/>
+          </p:nvPr>
+        </p:nvSpPr>
+        <p:spPr>
+          <a:xfrm>
+            <a:off x="6503158" y="649480"/>
+            <a:ext cx="4862447" cy="5546047"/>
+          </a:xfrm>
+        </p:spPr>
+        <p:txBody>
+          <a:bodyPr vert="horz" lIns="91440" tIns="45720" rIns="91440" bIns="45720" rtlCol="0" anchor="ctr">
+            <a:normAutofit/>
+          </a:bodyPr>
+          <a:lstStyle/>
+          <a:p>
+            <a:r>
+              <a:rPr lang="de-DE" sz="2000" dirty="0" err="1"/>
+              <a:t>Bla</a:t>
+            </a:r>
+          </a:p>
+          <a:p>
+            <a:r>
+              <a:rPr lang="de-DE" sz="2000" err="1"/>
+              <a:t>Bli</a:t>
+            </a:r>
+            <a:endParaRPr lang="de-DE" sz="2000" dirty="0" err="1"/>
+          </a:p>
+          <a:p>
+            <a:r>
+              <a:rPr lang="de-DE" sz="2000" dirty="0"/>
+              <a:t>Blubb</a:t>
+            </a:r>
+          </a:p>
+        </p:txBody>
+      </p:sp>
+    </p:spTree>
+    <p:extLst>
+      <p:ext uri="{BB962C8B-B14F-4D97-AF65-F5344CB8AC3E}">
+        <p14:creationId xmlns:p14="http://schemas.microsoft.com/office/powerpoint/2010/main" val="3071651756"/>
       </p:ext>
     </p:extLst>
   </p:cSld>
@@ -8833,4 +10203,319 @@
     </a:ext>
   </a:extLst>
 </a:theme>
+</file>
+
+<file path=ppt/theme/theme3.xml><?xml version="1.0" encoding="utf-8"?>
+<a:theme xmlns:a="http://schemas.openxmlformats.org/drawingml/2006/main" name="Office">
+  <a:themeElements>
+    <a:clrScheme name="Office">
+      <a:dk1>
+        <a:sysClr val="windowText" lastClr="000000"/>
+      </a:dk1>
+      <a:lt1>
+        <a:sysClr val="window" lastClr="FFFFFF"/>
+      </a:lt1>
+      <a:dk2>
+        <a:srgbClr val="0E2841"/>
+      </a:dk2>
+      <a:lt2>
+        <a:srgbClr val="E8E8E8"/>
+      </a:lt2>
+      <a:accent1>
+        <a:srgbClr val="156082"/>
+      </a:accent1>
+      <a:accent2>
+        <a:srgbClr val="E97132"/>
+      </a:accent2>
+      <a:accent3>
+        <a:srgbClr val="196B24"/>
+      </a:accent3>
+      <a:accent4>
+        <a:srgbClr val="0F9ED5"/>
+      </a:accent4>
+      <a:accent5>
+        <a:srgbClr val="A02B93"/>
+      </a:accent5>
+      <a:accent6>
+        <a:srgbClr val="4EA72E"/>
+      </a:accent6>
+      <a:hlink>
+        <a:srgbClr val="467886"/>
+      </a:hlink>
+      <a:folHlink>
+        <a:srgbClr val="96607D"/>
+      </a:folHlink>
+    </a:clrScheme>
+    <a:fontScheme name="Office">
+      <a:majorFont>
+        <a:latin typeface="Aptos Display" panose="02110004020202020204"/>
+        <a:ea typeface=""/>
+        <a:cs typeface=""/>
+        <a:font script="Jpan" typeface="游ゴシック Light"/>
+        <a:font script="Hang" typeface="맑은 고딕"/>
+        <a:font script="Hans" typeface="等线 Light"/>
+        <a:font script="Hant" typeface="新細明體"/>
+        <a:font script="Arab" typeface="Times New Roman"/>
+        <a:font script="Hebr" typeface="Times New Roman"/>
+        <a:font script="Thai" typeface="Angsana New"/>
+        <a:font script="Ethi" typeface="Nyala"/>
+        <a:font script="Beng" typeface="Vrinda"/>
+        <a:font script="Gujr" typeface="Shruti"/>
+        <a:font script="Khmr" typeface="MoolBoran"/>
+        <a:font script="Knda" typeface="Tunga"/>
+        <a:font script="Guru" typeface="Raavi"/>
+        <a:font script="Cans" typeface="Euphemia"/>
+        <a:font script="Cher" typeface="Plantagenet Cherokee"/>
+        <a:font script="Yiii" typeface="Microsoft Yi Baiti"/>
+        <a:font script="Tibt" typeface="Microsoft Himalaya"/>
+        <a:font script="Thaa" typeface="MV Boli"/>
+        <a:font script="Deva" typeface="Mangal"/>
+        <a:font script="Telu" typeface="Gautami"/>
+        <a:font script="Taml" typeface="Latha"/>
+        <a:font script="Syrc" typeface="Estrangelo Edessa"/>
+        <a:font script="Orya" typeface="Kalinga"/>
+        <a:font script="Mlym" typeface="Kartika"/>
+        <a:font script="Laoo" typeface="DokChampa"/>
+        <a:font script="Sinh" typeface="Iskoola Pota"/>
+        <a:font script="Mong" typeface="Mongolian Baiti"/>
+        <a:font script="Viet" typeface="Times New Roman"/>
+        <a:font script="Uigh" typeface="Microsoft Uighur"/>
+        <a:font script="Geor" typeface="Sylfaen"/>
+        <a:font script="Armn" typeface="Arial"/>
+        <a:font script="Bugi" typeface="Leelawadee UI"/>
+        <a:font script="Bopo" typeface="Microsoft JhengHei"/>
+        <a:font script="Java" typeface="Javanese Text"/>
+        <a:font script="Lisu" typeface="Segoe UI"/>
+        <a:font script="Mymr" typeface="Myanmar Text"/>
+        <a:font script="Nkoo" typeface="Ebrima"/>
+        <a:font script="Olck" typeface="Nirmala UI"/>
+        <a:font script="Osma" typeface="Ebrima"/>
+        <a:font script="Phag" typeface="Phagspa"/>
+        <a:font script="Syrn" typeface="Estrangelo Edessa"/>
+        <a:font script="Syrj" typeface="Estrangelo Edessa"/>
+        <a:font script="Syre" typeface="Estrangelo Edessa"/>
+        <a:font script="Sora" typeface="Nirmala UI"/>
+        <a:font script="Tale" typeface="Microsoft Tai Le"/>
+        <a:font script="Talu" typeface="Microsoft New Tai Lue"/>
+        <a:font script="Tfng" typeface="Ebrima"/>
+      </a:majorFont>
+      <a:minorFont>
+        <a:latin typeface="Aptos" panose="02110004020202020204"/>
+        <a:ea typeface=""/>
+        <a:cs typeface=""/>
+        <a:font script="Jpan" typeface="游ゴシック"/>
+        <a:font script="Hang" typeface="맑은 고딕"/>
+        <a:font script="Hans" typeface="等线"/>
+        <a:font script="Hant" typeface="新細明體"/>
+        <a:font script="Arab" typeface="Arial"/>
+        <a:font script="Hebr" typeface="Arial"/>
+        <a:font script="Thai" typeface="Cordia New"/>
+        <a:font script="Ethi" typeface="Nyala"/>
+        <a:font script="Beng" typeface="Vrinda"/>
+        <a:font script="Gujr" typeface="Shruti"/>
+        <a:font script="Khmr" typeface="DaunPenh"/>
+        <a:font script="Knda" typeface="Tunga"/>
+        <a:font script="Guru" typeface="Raavi"/>
+        <a:font script="Cans" typeface="Euphemia"/>
+        <a:font script="Cher" typeface="Plantagenet Cherokee"/>
+        <a:font script="Yiii" typeface="Microsoft Yi Baiti"/>
+        <a:font script="Tibt" typeface="Microsoft Himalaya"/>
+        <a:font script="Thaa" typeface="MV Boli"/>
+        <a:font script="Deva" typeface="Mangal"/>
+        <a:font script="Telu" typeface="Gautami"/>
+        <a:font script="Taml" typeface="Latha"/>
+        <a:font script="Syrc" typeface="Estrangelo Edessa"/>
+        <a:font script="Orya" typeface="Kalinga"/>
+        <a:font script="Mlym" typeface="Kartika"/>
+        <a:font script="Laoo" typeface="DokChampa"/>
+        <a:font script="Sinh" typeface="Iskoola Pota"/>
+        <a:font script="Mong" typeface="Mongolian Baiti"/>
+        <a:font script="Viet" typeface="Arial"/>
+        <a:font script="Uigh" typeface="Microsoft Uighur"/>
+        <a:font script="Geor" typeface="Sylfaen"/>
+        <a:font script="Armn" typeface="Arial"/>
+        <a:font script="Bugi" typeface="Leelawadee UI"/>
+        <a:font script="Bopo" typeface="Microsoft JhengHei"/>
+        <a:font script="Java" typeface="Javanese Text"/>
+        <a:font script="Lisu" typeface="Segoe UI"/>
+        <a:font script="Mymr" typeface="Myanmar Text"/>
+        <a:font script="Nkoo" typeface="Ebrima"/>
+        <a:font script="Olck" typeface="Nirmala UI"/>
+        <a:font script="Osma" typeface="Ebrima"/>
+        <a:font script="Phag" typeface="Phagspa"/>
+        <a:font script="Syrn" typeface="Estrangelo Edessa"/>
+        <a:font script="Syrj" typeface="Estrangelo Edessa"/>
+        <a:font script="Syre" typeface="Estrangelo Edessa"/>
+        <a:font script="Sora" typeface="Nirmala UI"/>
+        <a:font script="Tale" typeface="Microsoft Tai Le"/>
+        <a:font script="Talu" typeface="Microsoft New Tai Lue"/>
+        <a:font script="Tfng" typeface="Ebrima"/>
+      </a:minorFont>
+    </a:fontScheme>
+    <a:fmtScheme name="Office">
+      <a:fillStyleLst>
+        <a:solidFill>
+          <a:schemeClr val="phClr"/>
+        </a:solidFill>
+        <a:gradFill rotWithShape="1">
+          <a:gsLst>
+            <a:gs pos="0">
+              <a:schemeClr val="phClr">
+                <a:lumMod val="110000"/>
+                <a:satMod val="105000"/>
+                <a:tint val="67000"/>
+              </a:schemeClr>
+            </a:gs>
+            <a:gs pos="50000">
+              <a:schemeClr val="phClr">
+                <a:lumMod val="105000"/>
+                <a:satMod val="103000"/>
+                <a:tint val="73000"/>
+              </a:schemeClr>
+            </a:gs>
+            <a:gs pos="100000">
+              <a:schemeClr val="phClr">
+                <a:lumMod val="105000"/>
+                <a:satMod val="109000"/>
+                <a:tint val="81000"/>
+              </a:schemeClr>
+            </a:gs>
+          </a:gsLst>
+          <a:lin ang="5400000" scaled="0"/>
+        </a:gradFill>
+        <a:gradFill rotWithShape="1">
+          <a:gsLst>
+            <a:gs pos="0">
+              <a:schemeClr val="phClr">
+                <a:satMod val="103000"/>
+                <a:lumMod val="102000"/>
+                <a:tint val="94000"/>
+              </a:schemeClr>
+            </a:gs>
+            <a:gs pos="50000">
+              <a:schemeClr val="phClr">
+                <a:satMod val="110000"/>
+                <a:lumMod val="100000"/>
+                <a:shade val="100000"/>
+              </a:schemeClr>
+            </a:gs>
+            <a:gs pos="100000">
+              <a:schemeClr val="phClr">
+                <a:lumMod val="99000"/>
+                <a:satMod val="120000"/>
+                <a:shade val="78000"/>
+              </a:schemeClr>
+            </a:gs>
+          </a:gsLst>
+          <a:lin ang="5400000" scaled="0"/>
+        </a:gradFill>
+      </a:fillStyleLst>
+      <a:lnStyleLst>
+        <a:ln w="12700" cap="flat" cmpd="sng" algn="ctr">
+          <a:solidFill>
+            <a:schemeClr val="phClr"/>
+          </a:solidFill>
+          <a:prstDash val="solid"/>
+          <a:miter lim="800000"/>
+        </a:ln>
+        <a:ln w="19050" cap="flat" cmpd="sng" algn="ctr">
+          <a:solidFill>
+            <a:schemeClr val="phClr"/>
+          </a:solidFill>
+          <a:prstDash val="solid"/>
+          <a:miter lim="800000"/>
+        </a:ln>
+        <a:ln w="25400" cap="flat" cmpd="sng" algn="ctr">
+          <a:solidFill>
+            <a:schemeClr val="phClr"/>
+          </a:solidFill>
+          <a:prstDash val="solid"/>
+          <a:miter lim="800000"/>
+        </a:ln>
+      </a:lnStyleLst>
+      <a:effectStyleLst>
+        <a:effectStyle>
+          <a:effectLst/>
+        </a:effectStyle>
+        <a:effectStyle>
+          <a:effectLst/>
+        </a:effectStyle>
+        <a:effectStyle>
+          <a:effectLst>
+            <a:outerShdw blurRad="57150" dist="19050" dir="5400000" algn="ctr" rotWithShape="0">
+              <a:srgbClr val="000000">
+                <a:alpha val="63000"/>
+              </a:srgbClr>
+            </a:outerShdw>
+          </a:effectLst>
+        </a:effectStyle>
+      </a:effectStyleLst>
+      <a:bgFillStyleLst>
+        <a:solidFill>
+          <a:schemeClr val="phClr"/>
+        </a:solidFill>
+        <a:solidFill>
+          <a:schemeClr val="phClr">
+            <a:tint val="95000"/>
+            <a:satMod val="170000"/>
+          </a:schemeClr>
+        </a:solidFill>
+        <a:gradFill rotWithShape="1">
+          <a:gsLst>
+            <a:gs pos="0">
+              <a:schemeClr val="phClr">
+                <a:tint val="93000"/>
+                <a:satMod val="150000"/>
+                <a:shade val="98000"/>
+                <a:lumMod val="102000"/>
+              </a:schemeClr>
+            </a:gs>
+            <a:gs pos="50000">
+              <a:schemeClr val="phClr">
+                <a:tint val="98000"/>
+                <a:satMod val="130000"/>
+                <a:shade val="90000"/>
+                <a:lumMod val="103000"/>
+              </a:schemeClr>
+            </a:gs>
+            <a:gs pos="100000">
+              <a:schemeClr val="phClr">
+                <a:shade val="63000"/>
+                <a:satMod val="120000"/>
+              </a:schemeClr>
+            </a:gs>
+          </a:gsLst>
+          <a:lin ang="5400000" scaled="0"/>
+        </a:gradFill>
+      </a:bgFillStyleLst>
+    </a:fmtScheme>
+  </a:themeElements>
+  <a:objectDefaults>
+    <a:lnDef>
+      <a:spPr/>
+      <a:bodyPr/>
+      <a:lstStyle/>
+      <a:style>
+        <a:lnRef idx="2">
+          <a:schemeClr val="accent1"/>
+        </a:lnRef>
+        <a:fillRef idx="0">
+          <a:schemeClr val="accent1"/>
+        </a:fillRef>
+        <a:effectRef idx="1">
+          <a:schemeClr val="accent1"/>
+        </a:effectRef>
+        <a:fontRef idx="minor">
+          <a:schemeClr val="tx1"/>
+        </a:fontRef>
+      </a:style>
+    </a:lnDef>
+  </a:objectDefaults>
+  <a:extraClrSchemeLst/>
+  <a:extLst>
+    <a:ext uri="{05A4C25C-085E-4340-85A3-A5531E510DB2}">
+      <thm15:themeFamily xmlns:thm15="http://schemas.microsoft.com/office/thememl/2012/main" name="Office Theme" id="{2E142A2C-CD16-42D6-873A-C26D2A0506FA}" vid="{1BDDFF52-6CD6-40A5-AB3C-68EB2F1E4D0A}"/>
+    </a:ext>
+  </a:extLst>
+</a:theme>
 </file>
--- a/Presentations/DS_Project_Week-4.pptx
+++ b/Presentations/DS_Project_Week-4.pptx
@@ -611,16 +611,8 @@
           <a:lstStyle/>
           <a:p>
             <a:r>
-              <a:rPr lang="de-DE" dirty="0"/>
-              <a:t>Website </a:t>
-            </a:r>
-            <a:r>
-              <a:rPr lang="de-DE" dirty="0" err="1"/>
-              <a:t>presentation</a:t>
-            </a:r>
-            <a:r>
-              <a:rPr lang="de-DE" dirty="0"/>
-              <a:t>:</a:t>
+              <a:rPr lang="en-GB" noProof="0" dirty="0"/>
+              <a:t>Website presentation:</a:t>
             </a:r>
           </a:p>
           <a:p>
@@ -629,34 +621,9 @@
               <a:buChar char="-"/>
             </a:pPr>
             <a:r>
-              <a:rPr lang="de-DE" dirty="0" err="1"/>
-              <a:t>navigation</a:t>
-            </a:r>
-            <a:r>
-              <a:rPr lang="de-DE" dirty="0"/>
-              <a:t>, </a:t>
-            </a:r>
-            <a:r>
-              <a:rPr lang="de-DE" dirty="0" err="1"/>
-              <a:t>page</a:t>
-            </a:r>
-            <a:r>
-              <a:rPr lang="de-DE" dirty="0"/>
-              <a:t> </a:t>
-            </a:r>
-            <a:r>
-              <a:rPr lang="de-DE" dirty="0" err="1"/>
-              <a:t>structure</a:t>
-            </a:r>
-            <a:r>
-              <a:rPr lang="de-DE" dirty="0"/>
-              <a:t>, </a:t>
-            </a:r>
-            <a:r>
-              <a:rPr lang="de-DE" dirty="0" err="1"/>
-              <a:t>toggles</a:t>
-            </a:r>
-            <a:endParaRPr lang="de-DE" dirty="0"/>
+              <a:rPr lang="en-GB" noProof="0" dirty="0"/>
+              <a:t>navigation, page structure, toggles</a:t>
+            </a:r>
           </a:p>
           <a:p>
             <a:pPr marL="171450" indent="-171450">
@@ -664,32 +631,8 @@
               <a:buChar char="-"/>
             </a:pPr>
             <a:r>
-              <a:rPr lang="de-DE" dirty="0"/>
-              <a:t>o</a:t>
-            </a:r>
-            <a:r>
-              <a:rPr lang="de-DE"/>
-              <a:t>rder</a:t>
-            </a:r>
-            <a:r>
-              <a:rPr lang="de-DE" dirty="0"/>
-              <a:t> </a:t>
-            </a:r>
-            <a:r>
-              <a:rPr lang="de-DE" dirty="0" err="1"/>
-              <a:t>of</a:t>
-            </a:r>
-            <a:r>
-              <a:rPr lang="de-DE" dirty="0"/>
-              <a:t> </a:t>
-            </a:r>
-            <a:r>
-              <a:rPr lang="de-DE" dirty="0" err="1"/>
-              <a:t>questions</a:t>
-            </a:r>
-            <a:r>
-              <a:rPr lang="de-DE" dirty="0"/>
-              <a:t>: </a:t>
+              <a:rPr lang="en-GB" noProof="0" dirty="0"/>
+              <a:t>order of questions: </a:t>
             </a:r>
           </a:p>
           <a:p>
@@ -698,8 +641,8 @@
               <a:buChar char="-"/>
             </a:pPr>
             <a:r>
-              <a:rPr lang="de-DE" dirty="0"/>
-              <a:t>5: oberes Diagramm (Was sieht man? -&gt; bekannterer Sport)</a:t>
+              <a:rPr lang="en-GB" noProof="0" dirty="0"/>
+              <a:t>5: upper graph (What do you see? -&gt; more known sport now)</a:t>
             </a:r>
           </a:p>
           <a:p>
@@ -708,161 +651,20 @@
               <a:buChar char="-"/>
             </a:pPr>
             <a:r>
-              <a:rPr lang="de-DE" dirty="0"/>
-              <a:t>2: </a:t>
-            </a:r>
-            <a:r>
-              <a:rPr lang="de-DE" dirty="0" err="1"/>
-              <a:t>average</a:t>
-            </a:r>
-            <a:r>
-              <a:rPr lang="de-DE" dirty="0"/>
-              <a:t> Erklärung, oberes Diagramm, </a:t>
-            </a:r>
-            <a:r>
-              <a:rPr lang="de-DE" dirty="0" err="1"/>
-              <a:t>show</a:t>
-            </a:r>
-            <a:r>
-              <a:rPr lang="de-DE" dirty="0"/>
-              <a:t> all </a:t>
-            </a:r>
-            <a:r>
-              <a:rPr lang="de-DE" dirty="0" err="1"/>
-              <a:t>tournaments</a:t>
-            </a:r>
-            <a:r>
-              <a:rPr lang="de-DE" dirty="0"/>
-              <a:t> (Was sieht man? -&gt; </a:t>
-            </a:r>
-            <a:r>
-              <a:rPr lang="de-DE" dirty="0" err="1"/>
-              <a:t>Nievau</a:t>
-            </a:r>
-            <a:r>
-              <a:rPr lang="de-DE" dirty="0"/>
-              <a:t> mit wachsen des Sports angestiegen)</a:t>
-            </a:r>
-          </a:p>
-          <a:p>
-            <a:pPr marL="628650" lvl="1" indent="-171450">
-              <a:buFontTx/>
-              <a:buChar char="-"/>
-            </a:pPr>
-            <a:r>
-              <a:rPr lang="de-DE" dirty="0"/>
-              <a:t>4: </a:t>
-            </a:r>
-            <a:r>
-              <a:rPr lang="de-DE" dirty="0" err="1"/>
-              <a:t>checkout</a:t>
-            </a:r>
-            <a:r>
-              <a:rPr lang="de-DE" dirty="0"/>
-              <a:t> </a:t>
-            </a:r>
-            <a:r>
-              <a:rPr lang="de-DE" dirty="0" err="1"/>
-              <a:t>percentage</a:t>
-            </a:r>
-            <a:r>
-              <a:rPr lang="de-DE" dirty="0"/>
-              <a:t> Erklärung, unteres Diagramm (Was sieht man?)</a:t>
-            </a:r>
-          </a:p>
-          <a:p>
-            <a:pPr marL="628650" lvl="1" indent="-171450">
-              <a:buFontTx/>
-              <a:buChar char="-"/>
-            </a:pPr>
-            <a:r>
-              <a:rPr lang="de-DE" dirty="0"/>
-              <a:t>6: </a:t>
-            </a:r>
-            <a:r>
-              <a:rPr lang="de-DE" dirty="0" err="1"/>
-              <a:t>choose</a:t>
-            </a:r>
-            <a:r>
-              <a:rPr lang="de-DE" dirty="0"/>
-              <a:t> </a:t>
-            </a:r>
-            <a:r>
-              <a:rPr lang="de-DE" dirty="0" err="1"/>
-              <a:t>option</a:t>
-            </a:r>
-            <a:r>
-              <a:rPr lang="de-DE" dirty="0"/>
-              <a:t>, 8 </a:t>
-            </a:r>
-            <a:r>
-              <a:rPr lang="de-DE" dirty="0" err="1"/>
-              <a:t>ranks</a:t>
-            </a:r>
-            <a:r>
-              <a:rPr lang="de-DE" dirty="0"/>
-              <a:t>, </a:t>
-            </a:r>
-            <a:r>
-              <a:rPr lang="de-DE" dirty="0" err="1"/>
-              <a:t>age</a:t>
-            </a:r>
-            <a:r>
-              <a:rPr lang="de-DE" dirty="0"/>
-              <a:t>, </a:t>
-            </a:r>
-            <a:r>
-              <a:rPr lang="de-DE" dirty="0" err="1"/>
-              <a:t>nationality</a:t>
-            </a:r>
-            <a:r>
-              <a:rPr lang="de-DE" dirty="0"/>
-              <a:t>,</a:t>
-            </a:r>
-          </a:p>
-          <a:p>
-            <a:pPr marL="628650" lvl="1" indent="-171450">
-              <a:buFontTx/>
-              <a:buChar char="-"/>
-            </a:pPr>
-            <a:r>
-              <a:rPr lang="de-DE" dirty="0"/>
-              <a:t>15: </a:t>
-            </a:r>
-            <a:r>
-              <a:rPr lang="de-DE" dirty="0" err="1"/>
-              <a:t>show</a:t>
-            </a:r>
-            <a:r>
-              <a:rPr lang="de-DE" dirty="0"/>
-              <a:t> </a:t>
-            </a:r>
-            <a:r>
-              <a:rPr lang="de-DE" dirty="0" err="1"/>
-              <a:t>toggle</a:t>
-            </a:r>
-            <a:r>
-              <a:rPr lang="de-DE" dirty="0"/>
-              <a:t>, </a:t>
-            </a:r>
-            <a:r>
-              <a:rPr lang="de-DE" dirty="0" err="1"/>
-              <a:t>luke</a:t>
-            </a:r>
-            <a:r>
-              <a:rPr lang="de-DE" dirty="0"/>
-              <a:t> </a:t>
-            </a:r>
-            <a:r>
-              <a:rPr lang="de-DE" dirty="0" err="1"/>
-              <a:t>humphries</a:t>
-            </a:r>
-            <a:r>
-              <a:rPr lang="de-DE" dirty="0"/>
-              <a:t> (Was sieht man?)</a:t>
-            </a:r>
-          </a:p>
-          <a:p>
+              <a:rPr lang="en-GB" noProof="0" dirty="0"/>
+              <a:t>2: average explanation, top chart, show all tournaments (What do you see? -&gt; </a:t>
+            </a:r>
+            <a:r>
+              <a:rPr lang="en-GB" noProof="0" dirty="0" err="1"/>
+              <a:t>niveau</a:t>
+            </a:r>
+            <a:r>
+              <a:rPr lang="en-GB" noProof="0" dirty="0"/>
+              <a:t> increased as sport grows)
+4: checkout percentage explanation, bottom chart (What do you see?)
+6: choose option, 8 ranks, age, nationality,
+15: show toggle, Luke Humphries (What do you see?)</a:t>
+            </a:r>
             <a:endParaRPr lang="LID4096" dirty="0"/>
           </a:p>
         </p:txBody>

--- a/Presentations/DS_Project_Week-4.pptx
+++ b/Presentations/DS_Project_Week-4.pptx
@@ -6,14 +6,13 @@
     <p:sldMasterId id="2147483648" r:id="rId2"/>
   </p:sldMasterIdLst>
   <p:notesMasterIdLst>
-    <p:notesMasterId r:id="rId8"/>
+    <p:notesMasterId r:id="rId7"/>
   </p:notesMasterIdLst>
   <p:sldIdLst>
     <p:sldId id="257" r:id="rId3"/>
     <p:sldId id="260" r:id="rId4"/>
     <p:sldId id="261" r:id="rId5"/>
-    <p:sldId id="259" r:id="rId6"/>
-    <p:sldId id="262" r:id="rId7"/>
+    <p:sldId id="262" r:id="rId6"/>
   </p:sldIdLst>
   <p:sldSz cx="12192000" cy="6858000"/>
   <p:notesSz cx="6858000" cy="9144000"/>
@@ -210,7 +209,7 @@
           <a:p>
             <a:fld id="{AED9CDE3-D1C5-48DA-9920-F3058EBF21A6}" type="datetimeFigureOut">
               <a:rPr lang="LID4096" smtClean="0"/>
-              <a:t>03/25/2025</a:t>
+              <a:t>03/26/2025</a:t>
             </a:fld>
             <a:endParaRPr lang="LID4096"/>
           </a:p>
@@ -622,8 +621,13 @@
             </a:pPr>
             <a:r>
               <a:rPr lang="en-GB" noProof="0" dirty="0"/>
-              <a:t>navigation, page structure, toggles</a:t>
-            </a:r>
+              <a:t>navigation, page structure</a:t>
+            </a:r>
+            <a:r>
+              <a:rPr lang="en-GB" noProof="0"/>
+              <a:t>, toggles (Emilie)</a:t>
+            </a:r>
+            <a:endParaRPr lang="en-GB" noProof="0" dirty="0"/>
           </a:p>
           <a:p>
             <a:pPr marL="171450" indent="-171450">
@@ -642,7 +646,7 @@
             </a:pPr>
             <a:r>
               <a:rPr lang="en-GB" noProof="0" dirty="0"/>
-              <a:t>5: upper graph (What do you see? -&gt; more known sport now)</a:t>
+              <a:t>5: upper graph (What do you see? -&gt; more known sport now) (Emilie)</a:t>
             </a:r>
           </a:p>
           <a:p>
@@ -660,10 +664,10 @@
             </a:r>
             <a:r>
               <a:rPr lang="en-GB" noProof="0" dirty="0"/>
-              <a:t> increased as sport grows)
-4: checkout percentage explanation, bottom chart (What do you see?)
-6: choose option, 8 ranks, age, nationality,
-15: show toggle, Luke Humphries (What do you see?)</a:t>
+              <a:t> increased as sport grows) (Emilie)
+4: checkout percentage explanation, bottom chart (What do you see?) (Sara)
+6: choose option, 8 ranks, age, nationality (Sara)
+15: show toggle, Luke Humphries (What do you see?) (Sara)</a:t>
             </a:r>
             <a:endParaRPr lang="LID4096" dirty="0"/>
           </a:p>
@@ -686,7 +690,7 @@
           <a:p>
             <a:fld id="{B636B5DD-76B4-43A2-B64E-341CBDDABB26}" type="slidenum">
               <a:rPr lang="LID4096" smtClean="0"/>
-              <a:t>5</a:t>
+              <a:t>4</a:t>
             </a:fld>
             <a:endParaRPr lang="LID4096"/>
           </a:p>
@@ -836,7 +840,7 @@
           <a:p>
             <a:fld id="{846CE7D5-CF57-46EF-B807-FDD0502418D4}" type="datetimeFigureOut">
               <a:rPr lang="en-US" smtClean="0"/>
-              <a:t>3/25/2025</a:t>
+              <a:t>3/26/2025</a:t>
             </a:fld>
             <a:endParaRPr lang="en-US"/>
           </a:p>
@@ -1006,7 +1010,7 @@
           <a:p>
             <a:fld id="{846CE7D5-CF57-46EF-B807-FDD0502418D4}" type="datetimeFigureOut">
               <a:rPr lang="en-US" smtClean="0"/>
-              <a:t>3/25/2025</a:t>
+              <a:t>3/26/2025</a:t>
             </a:fld>
             <a:endParaRPr lang="en-US"/>
           </a:p>
@@ -1186,7 +1190,7 @@
           <a:p>
             <a:fld id="{846CE7D5-CF57-46EF-B807-FDD0502418D4}" type="datetimeFigureOut">
               <a:rPr lang="en-US" smtClean="0"/>
-              <a:t>3/25/2025</a:t>
+              <a:t>3/26/2025</a:t>
             </a:fld>
             <a:endParaRPr lang="en-US"/>
           </a:p>
@@ -1376,7 +1380,7 @@
           <a:p>
             <a:fld id="{D3EB3054-B75A-4BD7-8B3E-8DC0F614FAF3}" type="datetimeFigureOut">
               <a:rPr lang="de-DE" smtClean="0"/>
-              <a:t>25.03.2025</a:t>
+              <a:t>26.03.2025</a:t>
             </a:fld>
             <a:endParaRPr lang="de-DE"/>
           </a:p>
@@ -1544,7 +1548,7 @@
           <a:p>
             <a:fld id="{D3EB3054-B75A-4BD7-8B3E-8DC0F614FAF3}" type="datetimeFigureOut">
               <a:rPr lang="de-DE" smtClean="0"/>
-              <a:t>25.03.2025</a:t>
+              <a:t>26.03.2025</a:t>
             </a:fld>
             <a:endParaRPr lang="de-DE"/>
           </a:p>
@@ -1789,7 +1793,7 @@
           <a:p>
             <a:fld id="{D3EB3054-B75A-4BD7-8B3E-8DC0F614FAF3}" type="datetimeFigureOut">
               <a:rPr lang="de-DE" smtClean="0"/>
-              <a:t>25.03.2025</a:t>
+              <a:t>26.03.2025</a:t>
             </a:fld>
             <a:endParaRPr lang="de-DE"/>
           </a:p>
@@ -2018,7 +2022,7 @@
           <a:p>
             <a:fld id="{D3EB3054-B75A-4BD7-8B3E-8DC0F614FAF3}" type="datetimeFigureOut">
               <a:rPr lang="de-DE" smtClean="0"/>
-              <a:t>25.03.2025</a:t>
+              <a:t>26.03.2025</a:t>
             </a:fld>
             <a:endParaRPr lang="de-DE"/>
           </a:p>
@@ -2382,7 +2386,7 @@
           <a:p>
             <a:fld id="{D3EB3054-B75A-4BD7-8B3E-8DC0F614FAF3}" type="datetimeFigureOut">
               <a:rPr lang="de-DE" smtClean="0"/>
-              <a:t>25.03.2025</a:t>
+              <a:t>26.03.2025</a:t>
             </a:fld>
             <a:endParaRPr lang="de-DE"/>
           </a:p>
@@ -2499,7 +2503,7 @@
           <a:p>
             <a:fld id="{D3EB3054-B75A-4BD7-8B3E-8DC0F614FAF3}" type="datetimeFigureOut">
               <a:rPr lang="de-DE" smtClean="0"/>
-              <a:t>25.03.2025</a:t>
+              <a:t>26.03.2025</a:t>
             </a:fld>
             <a:endParaRPr lang="de-DE"/>
           </a:p>
@@ -2594,7 +2598,7 @@
           <a:p>
             <a:fld id="{D3EB3054-B75A-4BD7-8B3E-8DC0F614FAF3}" type="datetimeFigureOut">
               <a:rPr lang="de-DE" smtClean="0"/>
-              <a:t>25.03.2025</a:t>
+              <a:t>26.03.2025</a:t>
             </a:fld>
             <a:endParaRPr lang="de-DE"/>
           </a:p>
@@ -2869,7 +2873,7 @@
           <a:p>
             <a:fld id="{D3EB3054-B75A-4BD7-8B3E-8DC0F614FAF3}" type="datetimeFigureOut">
               <a:rPr lang="de-DE" smtClean="0"/>
-              <a:t>25.03.2025</a:t>
+              <a:t>26.03.2025</a:t>
             </a:fld>
             <a:endParaRPr lang="de-DE"/>
           </a:p>
@@ -3039,7 +3043,7 @@
           <a:p>
             <a:fld id="{846CE7D5-CF57-46EF-B807-FDD0502418D4}" type="datetimeFigureOut">
               <a:rPr lang="en-US" smtClean="0"/>
-              <a:t>3/25/2025</a:t>
+              <a:t>3/26/2025</a:t>
             </a:fld>
             <a:endParaRPr lang="en-US"/>
           </a:p>
@@ -3291,7 +3295,7 @@
           <a:p>
             <a:fld id="{D3EB3054-B75A-4BD7-8B3E-8DC0F614FAF3}" type="datetimeFigureOut">
               <a:rPr lang="de-DE" smtClean="0"/>
-              <a:t>25.03.2025</a:t>
+              <a:t>26.03.2025</a:t>
             </a:fld>
             <a:endParaRPr lang="de-DE"/>
           </a:p>
@@ -3459,7 +3463,7 @@
           <a:p>
             <a:fld id="{D3EB3054-B75A-4BD7-8B3E-8DC0F614FAF3}" type="datetimeFigureOut">
               <a:rPr lang="de-DE" smtClean="0"/>
-              <a:t>25.03.2025</a:t>
+              <a:t>26.03.2025</a:t>
             </a:fld>
             <a:endParaRPr lang="de-DE"/>
           </a:p>
@@ -3637,7 +3641,7 @@
           <a:p>
             <a:fld id="{D3EB3054-B75A-4BD7-8B3E-8DC0F614FAF3}" type="datetimeFigureOut">
               <a:rPr lang="de-DE" smtClean="0"/>
-              <a:t>25.03.2025</a:t>
+              <a:t>26.03.2025</a:t>
             </a:fld>
             <a:endParaRPr lang="de-DE"/>
           </a:p>
@@ -3883,7 +3887,7 @@
           <a:p>
             <a:fld id="{846CE7D5-CF57-46EF-B807-FDD0502418D4}" type="datetimeFigureOut">
               <a:rPr lang="en-US" smtClean="0"/>
-              <a:t>3/25/2025</a:t>
+              <a:t>3/26/2025</a:t>
             </a:fld>
             <a:endParaRPr lang="en-US"/>
           </a:p>
@@ -4115,7 +4119,7 @@
           <a:p>
             <a:fld id="{846CE7D5-CF57-46EF-B807-FDD0502418D4}" type="datetimeFigureOut">
               <a:rPr lang="en-US" smtClean="0"/>
-              <a:t>3/25/2025</a:t>
+              <a:t>3/26/2025</a:t>
             </a:fld>
             <a:endParaRPr lang="en-US"/>
           </a:p>
@@ -4482,7 +4486,7 @@
           <a:p>
             <a:fld id="{846CE7D5-CF57-46EF-B807-FDD0502418D4}" type="datetimeFigureOut">
               <a:rPr lang="en-US" smtClean="0"/>
-              <a:t>3/25/2025</a:t>
+              <a:t>3/26/2025</a:t>
             </a:fld>
             <a:endParaRPr lang="en-US"/>
           </a:p>
@@ -4600,7 +4604,7 @@
           <a:p>
             <a:fld id="{846CE7D5-CF57-46EF-B807-FDD0502418D4}" type="datetimeFigureOut">
               <a:rPr lang="en-US" smtClean="0"/>
-              <a:t>3/25/2025</a:t>
+              <a:t>3/26/2025</a:t>
             </a:fld>
             <a:endParaRPr lang="en-US"/>
           </a:p>
@@ -4695,7 +4699,7 @@
           <a:p>
             <a:fld id="{846CE7D5-CF57-46EF-B807-FDD0502418D4}" type="datetimeFigureOut">
               <a:rPr lang="en-US" smtClean="0"/>
-              <a:t>3/25/2025</a:t>
+              <a:t>3/26/2025</a:t>
             </a:fld>
             <a:endParaRPr lang="en-US"/>
           </a:p>
@@ -4972,7 +4976,7 @@
           <a:p>
             <a:fld id="{846CE7D5-CF57-46EF-B807-FDD0502418D4}" type="datetimeFigureOut">
               <a:rPr lang="en-US" smtClean="0"/>
-              <a:t>3/25/2025</a:t>
+              <a:t>3/26/2025</a:t>
             </a:fld>
             <a:endParaRPr lang="en-US"/>
           </a:p>
@@ -5229,7 +5233,7 @@
           <a:p>
             <a:fld id="{846CE7D5-CF57-46EF-B807-FDD0502418D4}" type="datetimeFigureOut">
               <a:rPr lang="en-US" smtClean="0"/>
-              <a:t>3/25/2025</a:t>
+              <a:t>3/26/2025</a:t>
             </a:fld>
             <a:endParaRPr lang="en-US"/>
           </a:p>
@@ -5442,7 +5446,7 @@
           <a:p>
             <a:fld id="{846CE7D5-CF57-46EF-B807-FDD0502418D4}" type="datetimeFigureOut">
               <a:rPr lang="en-US" smtClean="0"/>
-              <a:t>3/25/2025</a:t>
+              <a:t>3/26/2025</a:t>
             </a:fld>
             <a:endParaRPr lang="en-US"/>
           </a:p>
@@ -5980,7 +5984,7 @@
           <a:p>
             <a:fld id="{D3EB3054-B75A-4BD7-8B3E-8DC0F614FAF3}" type="datetimeFigureOut">
               <a:rPr lang="de-DE" smtClean="0"/>
-              <a:t>25.03.2025</a:t>
+              <a:t>26.03.2025</a:t>
             </a:fld>
             <a:endParaRPr lang="de-DE"/>
           </a:p>
@@ -6465,7 +6469,7 @@
           <a:lstStyle/>
           <a:p>
             <a:pPr algn="ctr"/>
-            <a:endParaRPr lang="en-US"/>
+            <a:endParaRPr lang="en-US" dirty="0"/>
           </a:p>
         </p:txBody>
       </p:sp>
@@ -6538,7 +6542,7 @@
           <a:lstStyle/>
           <a:p>
             <a:pPr algn="ctr"/>
-            <a:endParaRPr lang="en-US"/>
+            <a:endParaRPr lang="en-US" dirty="0"/>
           </a:p>
         </p:txBody>
       </p:sp>
@@ -6614,7 +6618,7 @@
           <a:lstStyle/>
           <a:p>
             <a:pPr algn="ctr"/>
-            <a:endParaRPr lang="en-US"/>
+            <a:endParaRPr lang="en-US" dirty="0"/>
           </a:p>
         </p:txBody>
       </p:sp>
@@ -6690,7 +6694,7 @@
           <a:lstStyle/>
           <a:p>
             <a:pPr algn="ctr"/>
-            <a:endParaRPr lang="en-US"/>
+            <a:endParaRPr lang="en-US" dirty="0"/>
           </a:p>
         </p:txBody>
       </p:sp>
@@ -6766,7 +6770,7 @@
           <a:lstStyle/>
           <a:p>
             <a:pPr algn="ctr"/>
-            <a:endParaRPr lang="en-US"/>
+            <a:endParaRPr lang="en-US" dirty="0"/>
           </a:p>
         </p:txBody>
       </p:sp>
@@ -6842,7 +6846,7 @@
           <a:lstStyle/>
           <a:p>
             <a:pPr algn="ctr"/>
-            <a:endParaRPr lang="en-US"/>
+            <a:endParaRPr lang="en-US" dirty="0"/>
           </a:p>
         </p:txBody>
       </p:sp>
@@ -6947,20 +6951,12 @@
           <a:p>
             <a:pPr algn="l"/>
             <a:r>
-              <a:rPr lang="de-DE" sz="4800" dirty="0">
+              <a:rPr lang="en-GB" sz="4800" noProof="0" dirty="0">
                 <a:solidFill>
                   <a:srgbClr val="FFFFFF"/>
                 </a:solidFill>
               </a:rPr>
-              <a:t>Final </a:t>
-            </a:r>
-            <a:r>
-              <a:rPr lang="de-DE" sz="4800" dirty="0" err="1">
-                <a:solidFill>
-                  <a:srgbClr val="FFFFFF"/>
-                </a:solidFill>
-              </a:rPr>
-              <a:t>Presentation</a:t>
+              <a:t>Darts – Final Presentation</a:t>
             </a:r>
             <a:endParaRPr lang="de-DE" sz="4800" dirty="0">
               <a:solidFill>
@@ -7639,21 +7635,204 @@
           <a:lstStyle/>
           <a:p>
             <a:r>
+              <a:rPr lang="de-DE" sz="2000" dirty="0"/>
+              <a:t>Research Questions </a:t>
+            </a:r>
+            <a:r>
               <a:rPr lang="de-DE" sz="2000" dirty="0" err="1"/>
-              <a:t>Bla</a:t>
-            </a:r>
-          </a:p>
-          <a:p>
-            <a:r>
-              <a:rPr lang="de-DE" sz="2000" err="1"/>
-              <a:t>Bli</a:t>
-            </a:r>
-            <a:endParaRPr lang="de-DE" sz="2000" dirty="0" err="1"/>
-          </a:p>
-          <a:p>
+              <a:t>formulated</a:t>
+            </a:r>
             <a:r>
               <a:rPr lang="de-DE" sz="2000" dirty="0"/>
-              <a:t>Blubb</a:t>
+              <a:t> </a:t>
+            </a:r>
+            <a:r>
+              <a:rPr lang="de-DE" sz="2000" dirty="0" err="1"/>
+              <a:t>with</a:t>
+            </a:r>
+            <a:r>
+              <a:rPr lang="de-DE" sz="2000" dirty="0"/>
+              <a:t> Data Sources in </a:t>
+            </a:r>
+            <a:r>
+              <a:rPr lang="de-DE" sz="2000" dirty="0" err="1"/>
+              <a:t>mind</a:t>
+            </a:r>
+            <a:endParaRPr lang="de-DE" sz="2000" dirty="0"/>
+          </a:p>
+          <a:p>
+            <a:r>
+              <a:rPr lang="de-DE" sz="2000" dirty="0"/>
+              <a:t>Data </a:t>
+            </a:r>
+            <a:r>
+              <a:rPr lang="de-DE" sz="2000" dirty="0" err="1"/>
+              <a:t>Extraction</a:t>
+            </a:r>
+            <a:endParaRPr lang="de-DE" sz="2000" dirty="0"/>
+          </a:p>
+          <a:p>
+            <a:pPr lvl="1"/>
+            <a:r>
+              <a:rPr lang="de-DE" sz="1600" dirty="0" err="1"/>
+              <a:t>Webscraping</a:t>
+            </a:r>
+            <a:r>
+              <a:rPr lang="de-DE" sz="1600" dirty="0"/>
+              <a:t> </a:t>
+            </a:r>
+            <a:r>
+              <a:rPr lang="de-DE" sz="1600" dirty="0" err="1"/>
+              <a:t>of</a:t>
+            </a:r>
+            <a:r>
+              <a:rPr lang="de-DE" sz="1600" dirty="0"/>
+              <a:t> Data Sources</a:t>
+            </a:r>
+          </a:p>
+          <a:p>
+            <a:pPr lvl="1"/>
+            <a:r>
+              <a:rPr lang="de-DE" sz="1600" dirty="0"/>
+              <a:t>Save Data in CSV </a:t>
+            </a:r>
+            <a:r>
+              <a:rPr lang="de-DE" sz="1600" dirty="0" err="1"/>
+              <a:t>files</a:t>
+            </a:r>
+            <a:endParaRPr lang="de-DE" sz="1600" dirty="0"/>
+          </a:p>
+          <a:p>
+            <a:pPr lvl="1"/>
+            <a:r>
+              <a:rPr lang="de-DE" sz="1600" dirty="0" err="1"/>
+              <a:t>Cleaning</a:t>
+            </a:r>
+            <a:r>
+              <a:rPr lang="de-DE" sz="1600" dirty="0"/>
+              <a:t> </a:t>
+            </a:r>
+            <a:r>
+              <a:rPr lang="de-DE" sz="1600" dirty="0" err="1"/>
+              <a:t>datasets</a:t>
+            </a:r>
+            <a:endParaRPr lang="de-DE" sz="1600" dirty="0"/>
+          </a:p>
+          <a:p>
+            <a:r>
+              <a:rPr lang="de-DE" sz="2000" dirty="0"/>
+              <a:t>Data </a:t>
+            </a:r>
+            <a:r>
+              <a:rPr lang="de-DE" sz="2000" dirty="0" err="1"/>
+              <a:t>Visualization</a:t>
+            </a:r>
+            <a:endParaRPr lang="de-DE" sz="2000" dirty="0"/>
+          </a:p>
+          <a:p>
+            <a:pPr lvl="1"/>
+            <a:r>
+              <a:rPr lang="de-DE" sz="1600" dirty="0" err="1"/>
+              <a:t>Several</a:t>
+            </a:r>
+            <a:r>
+              <a:rPr lang="de-DE" sz="1600" dirty="0"/>
+              <a:t> Python Scripts per Research Question </a:t>
+            </a:r>
+            <a:r>
+              <a:rPr lang="de-DE" sz="1600" dirty="0" err="1"/>
+              <a:t>made</a:t>
+            </a:r>
+            <a:r>
+              <a:rPr lang="de-DE" sz="1600" dirty="0"/>
+              <a:t> </a:t>
+            </a:r>
+            <a:r>
+              <a:rPr lang="de-DE" sz="1600" dirty="0" err="1"/>
+              <a:t>with</a:t>
+            </a:r>
+            <a:r>
+              <a:rPr lang="de-DE" sz="1600" dirty="0"/>
+              <a:t> </a:t>
+            </a:r>
+            <a:r>
+              <a:rPr lang="de-DE" sz="1600" dirty="0" err="1"/>
+              <a:t>Plotly</a:t>
+            </a:r>
+            <a:endParaRPr lang="de-DE" sz="1600" dirty="0"/>
+          </a:p>
+          <a:p>
+            <a:r>
+              <a:rPr lang="de-DE" sz="2000" dirty="0" err="1"/>
+              <a:t>Documentation</a:t>
+            </a:r>
+            <a:endParaRPr lang="de-DE" sz="2000" dirty="0"/>
+          </a:p>
+          <a:p>
+            <a:r>
+              <a:rPr lang="de-DE" sz="2000" dirty="0"/>
+              <a:t>Website</a:t>
+            </a:r>
+          </a:p>
+          <a:p>
+            <a:pPr lvl="1"/>
+            <a:r>
+              <a:rPr lang="de-DE" sz="1600" dirty="0" err="1"/>
+              <a:t>Build</a:t>
+            </a:r>
+            <a:r>
+              <a:rPr lang="de-DE" sz="1600" dirty="0"/>
+              <a:t> </a:t>
+            </a:r>
+            <a:r>
+              <a:rPr lang="de-DE" sz="1600" dirty="0" err="1"/>
+              <a:t>with</a:t>
+            </a:r>
+            <a:r>
+              <a:rPr lang="de-DE" sz="1600" dirty="0"/>
+              <a:t> </a:t>
+            </a:r>
+            <a:r>
+              <a:rPr lang="de-DE" sz="1600" dirty="0" err="1"/>
+              <a:t>Streamlit</a:t>
+            </a:r>
+            <a:endParaRPr lang="de-DE" sz="1600" dirty="0"/>
+          </a:p>
+          <a:p>
+            <a:r>
+              <a:rPr lang="de-DE" sz="2000" dirty="0"/>
+              <a:t>Poster</a:t>
+            </a:r>
+          </a:p>
+          <a:p>
+            <a:pPr lvl="1"/>
+            <a:r>
+              <a:rPr lang="de-DE" sz="1600" dirty="0"/>
+              <a:t>Select </a:t>
+            </a:r>
+            <a:r>
+              <a:rPr lang="de-DE" sz="1600" dirty="0" err="1"/>
+              <a:t>Visualizations</a:t>
+            </a:r>
+            <a:r>
+              <a:rPr lang="de-DE" sz="1600" dirty="0"/>
+              <a:t> </a:t>
+            </a:r>
+            <a:r>
+              <a:rPr lang="de-DE" sz="1600" dirty="0" err="1"/>
+              <a:t>from</a:t>
+            </a:r>
+            <a:r>
+              <a:rPr lang="de-DE" sz="1600" dirty="0"/>
+              <a:t> </a:t>
+            </a:r>
+            <a:r>
+              <a:rPr lang="de-DE" sz="1600" dirty="0" err="1"/>
+              <a:t>finished</a:t>
+            </a:r>
+            <a:r>
+              <a:rPr lang="de-DE" sz="1600" dirty="0"/>
+              <a:t> Website</a:t>
             </a:r>
           </a:p>
         </p:txBody>
@@ -8233,20 +8412,170 @@
           <a:p>
             <a:r>
               <a:rPr lang="de-DE" sz="2000" dirty="0" err="1"/>
-              <a:t>Bla</a:t>
-            </a:r>
-          </a:p>
-          <a:p>
-            <a:r>
-              <a:rPr lang="de-DE" sz="2000" err="1"/>
-              <a:t>Bli</a:t>
-            </a:r>
-            <a:endParaRPr lang="de-DE" sz="2000" dirty="0" err="1"/>
-          </a:p>
-          <a:p>
+              <a:t>No</a:t>
+            </a:r>
             <a:r>
               <a:rPr lang="de-DE" sz="2000" dirty="0"/>
-              <a:t>Blubb</a:t>
+              <a:t> APIs</a:t>
+            </a:r>
+            <a:endParaRPr lang="de-DE" dirty="0"/>
+          </a:p>
+          <a:p>
+            <a:pPr lvl="1"/>
+            <a:r>
+              <a:rPr lang="de-DE" sz="1600" dirty="0" err="1"/>
+              <a:t>Webscraping</a:t>
+            </a:r>
+            <a:r>
+              <a:rPr lang="de-DE" sz="1600" dirty="0"/>
+              <a:t> </a:t>
+            </a:r>
+            <a:r>
+              <a:rPr lang="de-DE" sz="1600" dirty="0" err="1"/>
+              <a:t>of</a:t>
+            </a:r>
+            <a:r>
+              <a:rPr lang="de-DE" sz="1600" dirty="0"/>
+              <a:t> Data in </a:t>
+            </a:r>
+            <a:r>
+              <a:rPr lang="de-DE" sz="1600" dirty="0" err="1"/>
+              <a:t>html</a:t>
+            </a:r>
+            <a:r>
+              <a:rPr lang="de-DE" sz="1600" dirty="0"/>
+              <a:t> code</a:t>
+            </a:r>
+          </a:p>
+          <a:p>
+            <a:r>
+              <a:rPr lang="de-DE" sz="2000" dirty="0" err="1"/>
+              <a:t>Too</a:t>
+            </a:r>
+            <a:r>
+              <a:rPr lang="de-DE" sz="2000" dirty="0"/>
+              <a:t> </a:t>
+            </a:r>
+            <a:r>
+              <a:rPr lang="de-DE" sz="2000" dirty="0" err="1"/>
+              <a:t>many</a:t>
+            </a:r>
+            <a:r>
+              <a:rPr lang="de-DE" sz="2000" dirty="0"/>
+              <a:t> </a:t>
+            </a:r>
+            <a:r>
+              <a:rPr lang="de-DE" sz="2000" dirty="0" err="1"/>
+              <a:t>Reasearch</a:t>
+            </a:r>
+            <a:r>
+              <a:rPr lang="de-DE" sz="2000" dirty="0"/>
+              <a:t> Questions</a:t>
+            </a:r>
+          </a:p>
+          <a:p>
+            <a:pPr lvl="1"/>
+            <a:r>
+              <a:rPr lang="de-DE" sz="1600" dirty="0"/>
+              <a:t>Focus on </a:t>
+            </a:r>
+            <a:r>
+              <a:rPr lang="de-DE" sz="1600" dirty="0" err="1"/>
+              <a:t>most</a:t>
+            </a:r>
+            <a:r>
+              <a:rPr lang="de-DE" sz="1600" dirty="0"/>
+              <a:t> </a:t>
+            </a:r>
+            <a:r>
+              <a:rPr lang="de-DE" sz="1600" dirty="0" err="1"/>
+              <a:t>interesting</a:t>
+            </a:r>
+            <a:endParaRPr lang="de-DE" sz="1600" dirty="0"/>
+          </a:p>
+          <a:p>
+            <a:r>
+              <a:rPr lang="de-DE" sz="2000" dirty="0" err="1"/>
+              <a:t>Limitations</a:t>
+            </a:r>
+            <a:r>
+              <a:rPr lang="de-DE" sz="2000" dirty="0"/>
+              <a:t> </a:t>
+            </a:r>
+            <a:r>
+              <a:rPr lang="de-DE" sz="2000" dirty="0" err="1"/>
+              <a:t>with</a:t>
+            </a:r>
+            <a:r>
+              <a:rPr lang="de-DE" sz="2000" dirty="0"/>
+              <a:t> </a:t>
+            </a:r>
+            <a:r>
+              <a:rPr lang="de-DE" sz="2000" dirty="0" err="1"/>
+              <a:t>Streamlit</a:t>
+            </a:r>
+            <a:endParaRPr lang="de-DE" sz="2000" dirty="0"/>
+          </a:p>
+          <a:p>
+            <a:pPr lvl="1"/>
+            <a:r>
+              <a:rPr lang="de-DE" sz="1600" dirty="0"/>
+              <a:t>A </a:t>
+            </a:r>
+            <a:r>
+              <a:rPr lang="de-DE" sz="1600" dirty="0" err="1"/>
+              <a:t>lot</a:t>
+            </a:r>
+            <a:r>
+              <a:rPr lang="de-DE" sz="1600" dirty="0"/>
+              <a:t> </a:t>
+            </a:r>
+            <a:r>
+              <a:rPr lang="de-DE" sz="1600" dirty="0" err="1"/>
+              <a:t>of</a:t>
+            </a:r>
+            <a:r>
+              <a:rPr lang="de-DE" sz="1600" dirty="0"/>
+              <a:t> Research</a:t>
+            </a:r>
+          </a:p>
+          <a:p>
+            <a:pPr lvl="1"/>
+            <a:r>
+              <a:rPr lang="de-DE" sz="1600" dirty="0"/>
+              <a:t>Design own Navigation Sidebar</a:t>
+            </a:r>
+          </a:p>
+          <a:p>
+            <a:pPr lvl="1"/>
+            <a:r>
+              <a:rPr lang="de-DE" sz="1600" dirty="0"/>
+              <a:t>Create Website </a:t>
+            </a:r>
+            <a:r>
+              <a:rPr lang="de-DE" sz="1600" dirty="0" err="1"/>
+              <a:t>Structure</a:t>
+            </a:r>
+            <a:endParaRPr lang="de-DE" sz="1600" dirty="0"/>
+          </a:p>
+          <a:p>
+            <a:r>
+              <a:rPr lang="de-DE" sz="2000" dirty="0"/>
+              <a:t>Poster Template</a:t>
+            </a:r>
+          </a:p>
+          <a:p>
+            <a:pPr lvl="1"/>
+            <a:r>
+              <a:rPr lang="de-DE" sz="1600" dirty="0"/>
+              <a:t>Many own Adjustments</a:t>
+            </a:r>
+          </a:p>
+          <a:p>
+            <a:pPr lvl="1"/>
+            <a:r>
+              <a:rPr lang="de-DE" sz="1600" dirty="0"/>
+              <a:t>Many Feedback Loops</a:t>
             </a:r>
           </a:p>
         </p:txBody>
@@ -8277,7 +8606,13 @@
     </p:bg>
     <p:spTree>
       <p:nvGrpSpPr>
-        <p:cNvPr id="1" name=""/>
+        <p:cNvPr id="1" name="">
+          <a:extLst>
+            <a:ext uri="{FF2B5EF4-FFF2-40B4-BE49-F238E27FC236}">
+              <a16:creationId xmlns:a16="http://schemas.microsoft.com/office/drawing/2014/main" id="{270408B4-B4AD-5031-2FA0-B49C7C1FDC0C}"/>
+            </a:ext>
+          </a:extLst>
+        </p:cNvPr>
         <p:cNvGrpSpPr/>
         <p:nvPr/>
       </p:nvGrpSpPr>
@@ -8294,7 +8629,7 @@
           <p:cNvPr id="8" name="Rectangle 7">
             <a:extLst>
               <a:ext uri="{FF2B5EF4-FFF2-40B4-BE49-F238E27FC236}">
-                <a16:creationId xmlns:a16="http://schemas.microsoft.com/office/drawing/2014/main" id="{DEE2AD96-B495-4E06-9291-B71706F728CB}"/>
+                <a16:creationId xmlns:a16="http://schemas.microsoft.com/office/drawing/2014/main" id="{5F308C85-C79D-F6D7-D614-A22BDBE056A0}"/>
               </a:ext>
               <a:ext uri="{C183D7F6-B498-43B3-948B-1728B52AA6E4}">
                 <adec:decorative xmlns:adec="http://schemas.microsoft.com/office/drawing/2017/decorative" val="1"/>
@@ -8370,7 +8705,7 @@
           <p:cNvPr id="10" name="Rectangle 9">
             <a:extLst>
               <a:ext uri="{FF2B5EF4-FFF2-40B4-BE49-F238E27FC236}">
-                <a16:creationId xmlns:a16="http://schemas.microsoft.com/office/drawing/2014/main" id="{53CF6D67-C5A8-4ADD-9E8E-1E38CA1D3166}"/>
+                <a16:creationId xmlns:a16="http://schemas.microsoft.com/office/drawing/2014/main" id="{F4FD0FAB-7641-A4CA-61B8-7DD6E99CA6EE}"/>
               </a:ext>
               <a:ext uri="{C183D7F6-B498-43B3-948B-1728B52AA6E4}">
                 <adec:decorative xmlns:adec="http://schemas.microsoft.com/office/drawing/2017/decorative" val="1"/>
@@ -8443,7 +8778,7 @@
           <p:cNvPr id="12" name="Rectangle 11">
             <a:extLst>
               <a:ext uri="{FF2B5EF4-FFF2-40B4-BE49-F238E27FC236}">
-                <a16:creationId xmlns:a16="http://schemas.microsoft.com/office/drawing/2014/main" id="{86909FA0-B515-4681-B7A8-FA281D133B94}"/>
+                <a16:creationId xmlns:a16="http://schemas.microsoft.com/office/drawing/2014/main" id="{E59F9943-1B22-D4CC-95D2-9E4A300D7D19}"/>
               </a:ext>
               <a:ext uri="{C183D7F6-B498-43B3-948B-1728B52AA6E4}">
                 <adec:decorative xmlns:adec="http://schemas.microsoft.com/office/drawing/2017/decorative" val="1"/>
@@ -8518,7 +8853,7 @@
           <p:cNvPr id="14" name="Rectangle 13">
             <a:extLst>
               <a:ext uri="{FF2B5EF4-FFF2-40B4-BE49-F238E27FC236}">
-                <a16:creationId xmlns:a16="http://schemas.microsoft.com/office/drawing/2014/main" id="{21C9FE86-FCC3-4A31-AA1C-C882262B7FE7}"/>
+                <a16:creationId xmlns:a16="http://schemas.microsoft.com/office/drawing/2014/main" id="{CCFF6ECD-4D46-F375-838E-905392FAF656}"/>
               </a:ext>
               <a:ext uri="{C183D7F6-B498-43B3-948B-1728B52AA6E4}">
                 <adec:decorative xmlns:adec="http://schemas.microsoft.com/office/drawing/2017/decorative" val="1"/>
@@ -8593,7 +8928,7 @@
           <p:cNvPr id="16" name="Rectangle 15">
             <a:extLst>
               <a:ext uri="{FF2B5EF4-FFF2-40B4-BE49-F238E27FC236}">
-                <a16:creationId xmlns:a16="http://schemas.microsoft.com/office/drawing/2014/main" id="{7D96243B-ECED-4B71-8E06-AE9A285EAD20}"/>
+                <a16:creationId xmlns:a16="http://schemas.microsoft.com/office/drawing/2014/main" id="{35D3601C-E7B4-7EF1-E79E-10B91CA11E52}"/>
               </a:ext>
               <a:ext uri="{C183D7F6-B498-43B3-948B-1728B52AA6E4}">
                 <adec:decorative xmlns:adec="http://schemas.microsoft.com/office/drawing/2017/decorative" val="1"/>
@@ -8668,7 +9003,7 @@
           <p:cNvPr id="18" name="Oval 17">
             <a:extLst>
               <a:ext uri="{FF2B5EF4-FFF2-40B4-BE49-F238E27FC236}">
-                <a16:creationId xmlns:a16="http://schemas.microsoft.com/office/drawing/2014/main" id="{A09989E4-EFDC-4A90-A633-E0525FB4139E}"/>
+                <a16:creationId xmlns:a16="http://schemas.microsoft.com/office/drawing/2014/main" id="{E65C7961-1EE5-3410-FC10-5FFB62AADA90}"/>
               </a:ext>
               <a:ext uri="{C183D7F6-B498-43B3-948B-1728B52AA6E4}">
                 <adec:decorative xmlns:adec="http://schemas.microsoft.com/office/drawing/2017/decorative" val="1"/>
@@ -8745,7 +9080,7 @@
           <p:cNvPr id="2" name="Titel 1">
             <a:extLst>
               <a:ext uri="{FF2B5EF4-FFF2-40B4-BE49-F238E27FC236}">
-                <a16:creationId xmlns:a16="http://schemas.microsoft.com/office/drawing/2014/main" id="{FED29480-F4D8-F64D-2343-7AD6FE82960A}"/>
+                <a16:creationId xmlns:a16="http://schemas.microsoft.com/office/drawing/2014/main" id="{0585310D-2E8F-26EA-1A39-D8A2ECA37402}"/>
               </a:ext>
             </a:extLst>
           </p:cNvPr>
@@ -8790,597 +9125,6 @@
                 <a:srgbClr val="FFFFFF"/>
               </a:solidFill>
             </a:endParaRPr>
-          </a:p>
-        </p:txBody>
-      </p:sp>
-      <p:sp>
-        <p:nvSpPr>
-          <p:cNvPr id="3" name="Inhaltsplatzhalter 2">
-            <a:extLst>
-              <a:ext uri="{FF2B5EF4-FFF2-40B4-BE49-F238E27FC236}">
-                <a16:creationId xmlns:a16="http://schemas.microsoft.com/office/drawing/2014/main" id="{29D37BE6-749F-A613-C3F0-40294EF1C587}"/>
-              </a:ext>
-            </a:extLst>
-          </p:cNvPr>
-          <p:cNvSpPr>
-            <a:spLocks noGrp="1"/>
-          </p:cNvSpPr>
-          <p:nvPr>
-            <p:ph idx="1"/>
-          </p:nvPr>
-        </p:nvSpPr>
-        <p:spPr>
-          <a:xfrm>
-            <a:off x="6503158" y="649480"/>
-            <a:ext cx="4862447" cy="5546047"/>
-          </a:xfrm>
-        </p:spPr>
-        <p:txBody>
-          <a:bodyPr vert="horz" lIns="91440" tIns="45720" rIns="91440" bIns="45720" rtlCol="0" anchor="ctr">
-            <a:normAutofit/>
-          </a:bodyPr>
-          <a:lstStyle/>
-          <a:p>
-            <a:r>
-              <a:rPr lang="de-DE" sz="2000" dirty="0" err="1"/>
-              <a:t>Bla</a:t>
-            </a:r>
-          </a:p>
-          <a:p>
-            <a:r>
-              <a:rPr lang="de-DE" sz="2000" err="1"/>
-              <a:t>Bli</a:t>
-            </a:r>
-            <a:endParaRPr lang="de-DE" sz="2000" dirty="0" err="1"/>
-          </a:p>
-          <a:p>
-            <a:r>
-              <a:rPr lang="de-DE" sz="2000" dirty="0"/>
-              <a:t>Blubb</a:t>
-            </a:r>
-          </a:p>
-        </p:txBody>
-      </p:sp>
-    </p:spTree>
-    <p:extLst>
-      <p:ext uri="{BB962C8B-B14F-4D97-AF65-F5344CB8AC3E}">
-        <p14:creationId xmlns:p14="http://schemas.microsoft.com/office/powerpoint/2010/main" val="3279404678"/>
-      </p:ext>
-    </p:extLst>
-  </p:cSld>
-  <p:clrMapOvr>
-    <a:masterClrMapping/>
-  </p:clrMapOvr>
-</p:sld>
-</file>
-
-<file path=ppt/slides/slide5.xml><?xml version="1.0" encoding="utf-8"?>
-<p:sld xmlns:a="http://schemas.openxmlformats.org/drawingml/2006/main" xmlns:r="http://schemas.openxmlformats.org/officeDocument/2006/relationships" xmlns:p="http://schemas.openxmlformats.org/presentationml/2006/main">
-  <p:cSld>
-    <p:bg>
-      <p:bgPr>
-        <a:solidFill>
-          <a:schemeClr val="bg1"/>
-        </a:solidFill>
-        <a:effectLst/>
-      </p:bgPr>
-    </p:bg>
-    <p:spTree>
-      <p:nvGrpSpPr>
-        <p:cNvPr id="1" name="">
-          <a:extLst>
-            <a:ext uri="{FF2B5EF4-FFF2-40B4-BE49-F238E27FC236}">
-              <a16:creationId xmlns:a16="http://schemas.microsoft.com/office/drawing/2014/main" id="{270408B4-B4AD-5031-2FA0-B49C7C1FDC0C}"/>
-            </a:ext>
-          </a:extLst>
-        </p:cNvPr>
-        <p:cNvGrpSpPr/>
-        <p:nvPr/>
-      </p:nvGrpSpPr>
-      <p:grpSpPr>
-        <a:xfrm>
-          <a:off x="0" y="0"/>
-          <a:ext cx="0" cy="0"/>
-          <a:chOff x="0" y="0"/>
-          <a:chExt cx="0" cy="0"/>
-        </a:xfrm>
-      </p:grpSpPr>
-      <p:sp useBgFill="1">
-        <p:nvSpPr>
-          <p:cNvPr id="8" name="Rectangle 7">
-            <a:extLst>
-              <a:ext uri="{FF2B5EF4-FFF2-40B4-BE49-F238E27FC236}">
-                <a16:creationId xmlns:a16="http://schemas.microsoft.com/office/drawing/2014/main" id="{5F308C85-C79D-F6D7-D614-A22BDBE056A0}"/>
-              </a:ext>
-              <a:ext uri="{C183D7F6-B498-43B3-948B-1728B52AA6E4}">
-                <adec:decorative xmlns:adec="http://schemas.microsoft.com/office/drawing/2017/decorative" val="1"/>
-              </a:ext>
-            </a:extLst>
-          </p:cNvPr>
-          <p:cNvSpPr>
-            <a:spLocks noGrp="1" noRot="1" noChangeAspect="1" noMove="1" noResize="1" noEditPoints="1" noAdjustHandles="1" noChangeArrowheads="1" noChangeShapeType="1" noTextEdit="1"/>
-          </p:cNvSpPr>
-          <p:nvPr>
-            <p:extLst>
-              <p:ext uri="{386F3935-93C4-4BCD-93E2-E3B085C9AB24}">
-                <p16:designElem xmlns:p16="http://schemas.microsoft.com/office/powerpoint/2015/main" val="1"/>
-              </p:ext>
-            </p:extLst>
-          </p:nvPr>
-        </p:nvSpPr>
-        <p:spPr>
-          <a:xfrm>
-            <a:off x="0" y="0"/>
-            <a:ext cx="12192000" cy="6858000"/>
-          </a:xfrm>
-          <a:prstGeom prst="rect">
-            <a:avLst/>
-          </a:prstGeom>
-          <a:ln w="12700" cap="flat" cmpd="sng" algn="ctr">
-            <a:noFill/>
-            <a:prstDash val="solid"/>
-            <a:miter lim="800000"/>
-          </a:ln>
-          <a:effectLst/>
-          <a:extLst>
-            <a:ext uri="{91240B29-F687-4F45-9708-019B960494DF}">
-              <a14:hiddenLine xmlns:a14="http://schemas.microsoft.com/office/drawing/2010/main" w="12700" cap="flat" cmpd="sng" algn="ctr">
-                <a:solidFill>
-                  <a:schemeClr val="accent1">
-                    <a:shade val="50000"/>
-                  </a:schemeClr>
-                </a:solidFill>
-                <a:prstDash val="solid"/>
-                <a:miter lim="800000"/>
-              </a14:hiddenLine>
-            </a:ext>
-          </a:extLst>
-        </p:spPr>
-        <p:style>
-          <a:lnRef idx="2">
-            <a:schemeClr val="accent1">
-              <a:shade val="50000"/>
-            </a:schemeClr>
-          </a:lnRef>
-          <a:fillRef idx="1">
-            <a:schemeClr val="accent1"/>
-          </a:fillRef>
-          <a:effectRef idx="0">
-            <a:schemeClr val="accent1"/>
-          </a:effectRef>
-          <a:fontRef idx="minor">
-            <a:schemeClr val="lt1"/>
-          </a:fontRef>
-        </p:style>
-        <p:txBody>
-          <a:bodyPr rtlCol="0" anchor="ctr"/>
-          <a:lstStyle/>
-          <a:p>
-            <a:pPr algn="ctr"/>
-            <a:endParaRPr lang="en-US"/>
-          </a:p>
-        </p:txBody>
-      </p:sp>
-      <p:sp>
-        <p:nvSpPr>
-          <p:cNvPr id="10" name="Rectangle 9">
-            <a:extLst>
-              <a:ext uri="{FF2B5EF4-FFF2-40B4-BE49-F238E27FC236}">
-                <a16:creationId xmlns:a16="http://schemas.microsoft.com/office/drawing/2014/main" id="{F4FD0FAB-7641-A4CA-61B8-7DD6E99CA6EE}"/>
-              </a:ext>
-              <a:ext uri="{C183D7F6-B498-43B3-948B-1728B52AA6E4}">
-                <adec:decorative xmlns:adec="http://schemas.microsoft.com/office/drawing/2017/decorative" val="1"/>
-              </a:ext>
-            </a:extLst>
-          </p:cNvPr>
-          <p:cNvSpPr>
-            <a:spLocks noGrp="1" noRot="1" noChangeAspect="1" noMove="1" noResize="1" noEditPoints="1" noAdjustHandles="1" noChangeArrowheads="1" noChangeShapeType="1" noTextEdit="1"/>
-          </p:cNvSpPr>
-          <p:nvPr>
-            <p:extLst>
-              <p:ext uri="{386F3935-93C4-4BCD-93E2-E3B085C9AB24}">
-                <p16:designElem xmlns:p16="http://schemas.microsoft.com/office/powerpoint/2015/main" val="1"/>
-              </p:ext>
-            </p:extLst>
-          </p:nvPr>
-        </p:nvSpPr>
-        <p:spPr>
-          <a:xfrm rot="5400000" flipH="1">
-            <a:off x="-638515" y="639280"/>
-            <a:ext cx="6858000" cy="5579440"/>
-          </a:xfrm>
-          <a:prstGeom prst="rect">
-            <a:avLst/>
-          </a:prstGeom>
-          <a:gradFill>
-            <a:gsLst>
-              <a:gs pos="8000">
-                <a:srgbClr val="000000"/>
-              </a:gs>
-              <a:gs pos="100000">
-                <a:schemeClr val="accent1">
-                  <a:lumMod val="75000"/>
-                </a:schemeClr>
-              </a:gs>
-            </a:gsLst>
-            <a:lin ang="3000000" scaled="0"/>
-          </a:gradFill>
-          <a:ln>
-            <a:noFill/>
-          </a:ln>
-        </p:spPr>
-        <p:style>
-          <a:lnRef idx="2">
-            <a:schemeClr val="accent1">
-              <a:shade val="50000"/>
-            </a:schemeClr>
-          </a:lnRef>
-          <a:fillRef idx="1">
-            <a:schemeClr val="accent1"/>
-          </a:fillRef>
-          <a:effectRef idx="0">
-            <a:schemeClr val="accent1"/>
-          </a:effectRef>
-          <a:fontRef idx="minor">
-            <a:schemeClr val="lt1"/>
-          </a:fontRef>
-        </p:style>
-        <p:txBody>
-          <a:bodyPr rtlCol="0" anchor="ctr"/>
-          <a:lstStyle/>
-          <a:p>
-            <a:pPr algn="ctr"/>
-            <a:endParaRPr lang="en-US"/>
-          </a:p>
-        </p:txBody>
-      </p:sp>
-      <p:sp>
-        <p:nvSpPr>
-          <p:cNvPr id="12" name="Rectangle 11">
-            <a:extLst>
-              <a:ext uri="{FF2B5EF4-FFF2-40B4-BE49-F238E27FC236}">
-                <a16:creationId xmlns:a16="http://schemas.microsoft.com/office/drawing/2014/main" id="{E59F9943-1B22-D4CC-95D2-9E4A300D7D19}"/>
-              </a:ext>
-              <a:ext uri="{C183D7F6-B498-43B3-948B-1728B52AA6E4}">
-                <adec:decorative xmlns:adec="http://schemas.microsoft.com/office/drawing/2017/decorative" val="1"/>
-              </a:ext>
-            </a:extLst>
-          </p:cNvPr>
-          <p:cNvSpPr>
-            <a:spLocks noGrp="1" noRot="1" noChangeAspect="1" noMove="1" noResize="1" noEditPoints="1" noAdjustHandles="1" noChangeArrowheads="1" noChangeShapeType="1" noTextEdit="1"/>
-          </p:cNvSpPr>
-          <p:nvPr>
-            <p:extLst>
-              <p:ext uri="{386F3935-93C4-4BCD-93E2-E3B085C9AB24}">
-                <p16:designElem xmlns:p16="http://schemas.microsoft.com/office/powerpoint/2015/main" val="1"/>
-              </p:ext>
-            </p:extLst>
-          </p:nvPr>
-        </p:nvSpPr>
-        <p:spPr>
-          <a:xfrm rot="5400000" flipH="1">
-            <a:off x="-393206" y="395206"/>
-            <a:ext cx="6346209" cy="5576080"/>
-          </a:xfrm>
-          <a:prstGeom prst="rect">
-            <a:avLst/>
-          </a:prstGeom>
-          <a:gradFill>
-            <a:gsLst>
-              <a:gs pos="0">
-                <a:srgbClr val="000000">
-                  <a:alpha val="0"/>
-                </a:srgbClr>
-              </a:gs>
-              <a:gs pos="99000">
-                <a:schemeClr val="accent1">
-                  <a:alpha val="0"/>
-                </a:schemeClr>
-              </a:gs>
-            </a:gsLst>
-            <a:lin ang="1800000" scaled="0"/>
-          </a:gradFill>
-          <a:ln>
-            <a:noFill/>
-          </a:ln>
-        </p:spPr>
-        <p:style>
-          <a:lnRef idx="2">
-            <a:schemeClr val="accent1">
-              <a:shade val="50000"/>
-            </a:schemeClr>
-          </a:lnRef>
-          <a:fillRef idx="1">
-            <a:schemeClr val="accent1"/>
-          </a:fillRef>
-          <a:effectRef idx="0">
-            <a:schemeClr val="accent1"/>
-          </a:effectRef>
-          <a:fontRef idx="minor">
-            <a:schemeClr val="lt1"/>
-          </a:fontRef>
-        </p:style>
-        <p:txBody>
-          <a:bodyPr rtlCol="0" anchor="ctr"/>
-          <a:lstStyle/>
-          <a:p>
-            <a:pPr algn="ctr"/>
-            <a:endParaRPr lang="en-US"/>
-          </a:p>
-        </p:txBody>
-      </p:sp>
-      <p:sp>
-        <p:nvSpPr>
-          <p:cNvPr id="14" name="Rectangle 13">
-            <a:extLst>
-              <a:ext uri="{FF2B5EF4-FFF2-40B4-BE49-F238E27FC236}">
-                <a16:creationId xmlns:a16="http://schemas.microsoft.com/office/drawing/2014/main" id="{CCFF6ECD-4D46-F375-838E-905392FAF656}"/>
-              </a:ext>
-              <a:ext uri="{C183D7F6-B498-43B3-948B-1728B52AA6E4}">
-                <adec:decorative xmlns:adec="http://schemas.microsoft.com/office/drawing/2017/decorative" val="1"/>
-              </a:ext>
-            </a:extLst>
-          </p:cNvPr>
-          <p:cNvSpPr>
-            <a:spLocks noGrp="1" noRot="1" noChangeAspect="1" noMove="1" noResize="1" noEditPoints="1" noAdjustHandles="1" noChangeArrowheads="1" noChangeShapeType="1" noTextEdit="1"/>
-          </p:cNvSpPr>
-          <p:nvPr>
-            <p:extLst>
-              <p:ext uri="{386F3935-93C4-4BCD-93E2-E3B085C9AB24}">
-                <p16:designElem xmlns:p16="http://schemas.microsoft.com/office/powerpoint/2015/main" val="1"/>
-              </p:ext>
-            </p:extLst>
-          </p:nvPr>
-        </p:nvSpPr>
-        <p:spPr>
-          <a:xfrm rot="5400000" flipH="1">
-            <a:off x="1528907" y="2818967"/>
-            <a:ext cx="2501979" cy="5576080"/>
-          </a:xfrm>
-          <a:prstGeom prst="rect">
-            <a:avLst/>
-          </a:prstGeom>
-          <a:gradFill>
-            <a:gsLst>
-              <a:gs pos="2000">
-                <a:schemeClr val="accent1">
-                  <a:alpha val="29000"/>
-                </a:schemeClr>
-              </a:gs>
-              <a:gs pos="100000">
-                <a:srgbClr val="000000">
-                  <a:alpha val="30000"/>
-                </a:srgbClr>
-              </a:gs>
-            </a:gsLst>
-            <a:lin ang="7800000" scaled="0"/>
-          </a:gradFill>
-          <a:ln>
-            <a:noFill/>
-          </a:ln>
-        </p:spPr>
-        <p:style>
-          <a:lnRef idx="2">
-            <a:schemeClr val="accent1">
-              <a:shade val="50000"/>
-            </a:schemeClr>
-          </a:lnRef>
-          <a:fillRef idx="1">
-            <a:schemeClr val="accent1"/>
-          </a:fillRef>
-          <a:effectRef idx="0">
-            <a:schemeClr val="accent1"/>
-          </a:effectRef>
-          <a:fontRef idx="minor">
-            <a:schemeClr val="lt1"/>
-          </a:fontRef>
-        </p:style>
-        <p:txBody>
-          <a:bodyPr rtlCol="0" anchor="ctr"/>
-          <a:lstStyle/>
-          <a:p>
-            <a:pPr algn="ctr"/>
-            <a:endParaRPr lang="en-US" dirty="0"/>
-          </a:p>
-        </p:txBody>
-      </p:sp>
-      <p:sp>
-        <p:nvSpPr>
-          <p:cNvPr id="16" name="Rectangle 15">
-            <a:extLst>
-              <a:ext uri="{FF2B5EF4-FFF2-40B4-BE49-F238E27FC236}">
-                <a16:creationId xmlns:a16="http://schemas.microsoft.com/office/drawing/2014/main" id="{35D3601C-E7B4-7EF1-E79E-10B91CA11E52}"/>
-              </a:ext>
-              <a:ext uri="{C183D7F6-B498-43B3-948B-1728B52AA6E4}">
-                <adec:decorative xmlns:adec="http://schemas.microsoft.com/office/drawing/2017/decorative" val="1"/>
-              </a:ext>
-            </a:extLst>
-          </p:cNvPr>
-          <p:cNvSpPr>
-            <a:spLocks noGrp="1" noRot="1" noChangeAspect="1" noMove="1" noResize="1" noEditPoints="1" noAdjustHandles="1" noChangeArrowheads="1" noChangeShapeType="1" noTextEdit="1"/>
-          </p:cNvSpPr>
-          <p:nvPr>
-            <p:extLst>
-              <p:ext uri="{386F3935-93C4-4BCD-93E2-E3B085C9AB24}">
-                <p16:designElem xmlns:p16="http://schemas.microsoft.com/office/powerpoint/2015/main" val="1"/>
-              </p:ext>
-            </p:extLst>
-          </p:nvPr>
-        </p:nvSpPr>
-        <p:spPr>
-          <a:xfrm rot="5400000" flipH="1">
-            <a:off x="-425002" y="852793"/>
-            <a:ext cx="6858001" cy="5152412"/>
-          </a:xfrm>
-          <a:prstGeom prst="rect">
-            <a:avLst/>
-          </a:prstGeom>
-          <a:gradFill>
-            <a:gsLst>
-              <a:gs pos="0">
-                <a:srgbClr val="000000">
-                  <a:alpha val="0"/>
-                </a:srgbClr>
-              </a:gs>
-              <a:gs pos="99000">
-                <a:schemeClr val="accent1">
-                  <a:alpha val="11000"/>
-                </a:schemeClr>
-              </a:gs>
-            </a:gsLst>
-            <a:lin ang="7800000" scaled="0"/>
-          </a:gradFill>
-          <a:ln>
-            <a:noFill/>
-          </a:ln>
-        </p:spPr>
-        <p:style>
-          <a:lnRef idx="2">
-            <a:schemeClr val="accent1">
-              <a:shade val="50000"/>
-            </a:schemeClr>
-          </a:lnRef>
-          <a:fillRef idx="1">
-            <a:schemeClr val="accent1"/>
-          </a:fillRef>
-          <a:effectRef idx="0">
-            <a:schemeClr val="accent1"/>
-          </a:effectRef>
-          <a:fontRef idx="minor">
-            <a:schemeClr val="lt1"/>
-          </a:fontRef>
-        </p:style>
-        <p:txBody>
-          <a:bodyPr rtlCol="0" anchor="ctr"/>
-          <a:lstStyle/>
-          <a:p>
-            <a:pPr algn="ctr"/>
-            <a:endParaRPr lang="en-US"/>
-          </a:p>
-        </p:txBody>
-      </p:sp>
-      <p:sp>
-        <p:nvSpPr>
-          <p:cNvPr id="18" name="Oval 17">
-            <a:extLst>
-              <a:ext uri="{FF2B5EF4-FFF2-40B4-BE49-F238E27FC236}">
-                <a16:creationId xmlns:a16="http://schemas.microsoft.com/office/drawing/2014/main" id="{E65C7961-1EE5-3410-FC10-5FFB62AADA90}"/>
-              </a:ext>
-              <a:ext uri="{C183D7F6-B498-43B3-948B-1728B52AA6E4}">
-                <adec:decorative xmlns:adec="http://schemas.microsoft.com/office/drawing/2017/decorative" val="1"/>
-              </a:ext>
-            </a:extLst>
-          </p:cNvPr>
-          <p:cNvSpPr>
-            <a:spLocks noGrp="1" noRot="1" noChangeAspect="1" noMove="1" noResize="1" noEditPoints="1" noAdjustHandles="1" noChangeArrowheads="1" noChangeShapeType="1" noTextEdit="1"/>
-          </p:cNvSpPr>
-          <p:nvPr>
-            <p:extLst>
-              <p:ext uri="{386F3935-93C4-4BCD-93E2-E3B085C9AB24}">
-                <p16:designElem xmlns:p16="http://schemas.microsoft.com/office/powerpoint/2015/main" val="1"/>
-              </p:ext>
-            </p:extLst>
-          </p:nvPr>
-        </p:nvSpPr>
-        <p:spPr>
-          <a:xfrm rot="6097846">
-            <a:off x="818753" y="1128497"/>
-            <a:ext cx="4318303" cy="4318303"/>
-          </a:xfrm>
-          <a:prstGeom prst="ellipse">
-            <a:avLst/>
-          </a:prstGeom>
-          <a:gradFill>
-            <a:gsLst>
-              <a:gs pos="39000">
-                <a:schemeClr val="accent1">
-                  <a:alpha val="0"/>
-                </a:schemeClr>
-              </a:gs>
-              <a:gs pos="100000">
-                <a:schemeClr val="accent1">
-                  <a:lumMod val="60000"/>
-                  <a:lumOff val="40000"/>
-                  <a:alpha val="15000"/>
-                </a:schemeClr>
-              </a:gs>
-            </a:gsLst>
-            <a:lin ang="17400000" scaled="0"/>
-          </a:gradFill>
-          <a:ln>
-            <a:noFill/>
-          </a:ln>
-        </p:spPr>
-        <p:style>
-          <a:lnRef idx="2">
-            <a:schemeClr val="accent1">
-              <a:shade val="50000"/>
-            </a:schemeClr>
-          </a:lnRef>
-          <a:fillRef idx="1">
-            <a:schemeClr val="accent1"/>
-          </a:fillRef>
-          <a:effectRef idx="0">
-            <a:schemeClr val="accent1"/>
-          </a:effectRef>
-          <a:fontRef idx="minor">
-            <a:schemeClr val="lt1"/>
-          </a:fontRef>
-        </p:style>
-        <p:txBody>
-          <a:bodyPr rtlCol="0" anchor="ctr"/>
-          <a:lstStyle/>
-          <a:p>
-            <a:pPr algn="ctr"/>
-            <a:endParaRPr lang="en-US" dirty="0"/>
-          </a:p>
-        </p:txBody>
-      </p:sp>
-      <p:sp>
-        <p:nvSpPr>
-          <p:cNvPr id="2" name="Titel 1">
-            <a:extLst>
-              <a:ext uri="{FF2B5EF4-FFF2-40B4-BE49-F238E27FC236}">
-                <a16:creationId xmlns:a16="http://schemas.microsoft.com/office/drawing/2014/main" id="{0585310D-2E8F-26EA-1A39-D8A2ECA37402}"/>
-              </a:ext>
-            </a:extLst>
-          </p:cNvPr>
-          <p:cNvSpPr>
-            <a:spLocks noGrp="1"/>
-          </p:cNvSpPr>
-          <p:nvPr>
-            <p:ph type="title"/>
-          </p:nvPr>
-        </p:nvSpPr>
-        <p:spPr>
-          <a:xfrm>
-            <a:off x="826396" y="586855"/>
-            <a:ext cx="4230100" cy="3387497"/>
-          </a:xfrm>
-        </p:spPr>
-        <p:txBody>
-          <a:bodyPr anchor="b">
-            <a:normAutofit/>
-          </a:bodyPr>
-          <a:lstStyle/>
-          <a:p>
-            <a:pPr algn="r"/>
-            <a:r>
-              <a:rPr lang="de-DE" sz="4000" dirty="0" err="1">
-                <a:solidFill>
-                  <a:srgbClr val="FFFFFF"/>
-                </a:solidFill>
-              </a:rPr>
-              <a:t>Our</a:t>
-            </a:r>
-            <a:r>
-              <a:rPr lang="de-DE" sz="4000" dirty="0">
-                <a:solidFill>
-                  <a:srgbClr val="FFFFFF"/>
-                </a:solidFill>
-              </a:rPr>
-              <a:t> Website</a:t>
-            </a:r>
           </a:p>
         </p:txBody>
       </p:sp>
@@ -9412,22 +9156,32 @@
           </a:bodyPr>
           <a:lstStyle/>
           <a:p>
+            <a:pPr marL="0" indent="0">
+              <a:buNone/>
+            </a:pPr>
             <a:r>
               <a:rPr lang="de-DE" sz="2000" dirty="0" err="1"/>
-              <a:t>Bla</a:t>
-            </a:r>
-          </a:p>
-          <a:p>
-            <a:r>
-              <a:rPr lang="de-DE" sz="2000" err="1"/>
-              <a:t>Bli</a:t>
-            </a:r>
-            <a:endParaRPr lang="de-DE" sz="2000" dirty="0" err="1"/>
-          </a:p>
-          <a:p>
+              <a:t>Let‘s</a:t>
+            </a:r>
             <a:r>
               <a:rPr lang="de-DE" sz="2000" dirty="0"/>
-              <a:t>Blubb</a:t>
+              <a:t> </a:t>
+            </a:r>
+            <a:r>
+              <a:rPr lang="de-DE" sz="2000" dirty="0" err="1"/>
+              <a:t>look</a:t>
+            </a:r>
+            <a:r>
+              <a:rPr lang="de-DE" sz="2000" dirty="0"/>
+              <a:t> at </a:t>
+            </a:r>
+            <a:r>
+              <a:rPr lang="de-DE" sz="2000" dirty="0" err="1"/>
+              <a:t>our</a:t>
+            </a:r>
+            <a:r>
+              <a:rPr lang="de-DE" sz="2000" dirty="0"/>
+              <a:t> Website!</a:t>
             </a:r>
           </a:p>
         </p:txBody>

--- a/Presentations/DS_Project_Week-4.pptx
+++ b/Presentations/DS_Project_Week-4.pptx
@@ -621,13 +621,8 @@
             </a:pPr>
             <a:r>
               <a:rPr lang="en-GB" noProof="0" dirty="0"/>
-              <a:t>navigation, page structure</a:t>
-            </a:r>
-            <a:r>
-              <a:rPr lang="en-GB" noProof="0"/>
-              <a:t>, toggles (Emilie)</a:t>
-            </a:r>
-            <a:endParaRPr lang="en-GB" noProof="0" dirty="0"/>
+              <a:t>navigation, page structure, toggles (Emilie)</a:t>
+            </a:r>
           </a:p>
           <a:p>
             <a:pPr marL="171450" indent="-171450">
@@ -636,7 +631,7 @@
             </a:pPr>
             <a:r>
               <a:rPr lang="en-GB" noProof="0" dirty="0"/>
-              <a:t>order of questions: </a:t>
+              <a:t>order of questions:</a:t>
             </a:r>
           </a:p>
           <a:p>

--- a/Presentations/DS_Project_Week-4.pptx
+++ b/Presentations/DS_Project_Week-4.pptx
@@ -8456,16 +8456,12 @@
               <a:t>many</a:t>
             </a:r>
             <a:r>
+              <a:rPr lang="de-DE" sz="2000"/>
+              <a:t> Research </a:t>
+            </a:r>
+            <a:r>
               <a:rPr lang="de-DE" sz="2000" dirty="0"/>
-              <a:t> </a:t>
-            </a:r>
-            <a:r>
-              <a:rPr lang="de-DE" sz="2000" dirty="0" err="1"/>
-              <a:t>Reasearch</a:t>
-            </a:r>
-            <a:r>
-              <a:rPr lang="de-DE" sz="2000" dirty="0"/>
-              <a:t> Questions</a:t>
+              <a:t>Questions</a:t>
             </a:r>
           </a:p>
           <a:p>

--- a/Presentations/DS_Project_Week-4.pptx
+++ b/Presentations/DS_Project_Week-4.pptx
@@ -661,7 +661,15 @@
               <a:rPr lang="en-GB" noProof="0" dirty="0"/>
               <a:t> increased as sport grows) (Emilie)
 4: checkout percentage explanation, bottom chart (What do you see?) (Sara)
-6: choose option, 8 ranks, age, nationality (Sara)
+6: choose option</a:t>
+            </a:r>
+            <a:r>
+              <a:rPr lang="en-GB" noProof="0"/>
+              <a:t>, 5 </a:t>
+            </a:r>
+            <a:r>
+              <a:rPr lang="en-GB" noProof="0" dirty="0"/>
+              <a:t>ranks, age, nationality (Sara)
 15: show toggle, Luke Humphries (What do you see?) (Sara)</a:t>
             </a:r>
             <a:endParaRPr lang="LID4096" dirty="0"/>
@@ -9147,12 +9155,76 @@
           </a:bodyPr>
           <a:lstStyle/>
           <a:p>
+            <a:r>
+              <a:rPr lang="de-DE" sz="2000" dirty="0" err="1"/>
+              <a:t>Structure</a:t>
+            </a:r>
+            <a:r>
+              <a:rPr lang="de-DE" sz="2000" dirty="0"/>
+              <a:t> </a:t>
+            </a:r>
+            <a:r>
+              <a:rPr lang="de-DE" sz="2000" dirty="0" err="1"/>
+              <a:t>of</a:t>
+            </a:r>
+            <a:r>
+              <a:rPr lang="de-DE" sz="2000" dirty="0"/>
+              <a:t> a game (</a:t>
+            </a:r>
+            <a:r>
+              <a:rPr lang="de-DE" sz="2000" dirty="0" err="1"/>
+              <a:t>Legs</a:t>
+            </a:r>
+            <a:r>
+              <a:rPr lang="de-DE" sz="2000" dirty="0"/>
+              <a:t>)</a:t>
+            </a:r>
+          </a:p>
+          <a:p>
+            <a:r>
+              <a:rPr lang="de-DE" sz="2000" dirty="0"/>
+              <a:t>Averages</a:t>
+            </a:r>
+          </a:p>
+          <a:p>
+            <a:r>
+              <a:rPr lang="de-DE" sz="2000" dirty="0" err="1"/>
+              <a:t>Checkout</a:t>
+            </a:r>
+            <a:r>
+              <a:rPr lang="de-DE" sz="2000" dirty="0"/>
+              <a:t> </a:t>
+            </a:r>
+            <a:r>
+              <a:rPr lang="de-DE" sz="2000" dirty="0" err="1"/>
+              <a:t>percentages</a:t>
+            </a:r>
+            <a:endParaRPr lang="de-DE" sz="2000" dirty="0"/>
+          </a:p>
+          <a:p>
+            <a:endParaRPr lang="de-DE" sz="2000" dirty="0"/>
+          </a:p>
+          <a:p>
             <a:pPr marL="0" indent="0">
               <a:buNone/>
             </a:pPr>
+            <a:endParaRPr lang="de-DE" sz="2000" dirty="0"/>
+          </a:p>
+          <a:p>
+            <a:pPr marL="0" indent="0">
+              <a:buNone/>
+            </a:pPr>
             <a:r>
               <a:rPr lang="de-DE" sz="2000" dirty="0" err="1"/>
-              <a:t>Let‘s</a:t>
+              <a:t>Now</a:t>
+            </a:r>
+            <a:r>
+              <a:rPr lang="de-DE" sz="2000" dirty="0"/>
+              <a:t>, </a:t>
+            </a:r>
+            <a:r>
+              <a:rPr lang="de-DE" sz="2000" dirty="0" err="1"/>
+              <a:t>let‘s</a:t>
             </a:r>
             <a:r>
               <a:rPr lang="de-DE" sz="2000" dirty="0"/>

--- a/Presentations/DS_Project_Week-4.pptx
+++ b/Presentations/DS_Project_Week-4.pptx
@@ -209,7 +209,7 @@
           <a:p>
             <a:fld id="{AED9CDE3-D1C5-48DA-9920-F3058EBF21A6}" type="datetimeFigureOut">
               <a:rPr lang="LID4096" smtClean="0"/>
-              <a:t>03/26/2025</a:t>
+              <a:t>03/27/2025</a:t>
             </a:fld>
             <a:endParaRPr lang="LID4096"/>
           </a:p>
@@ -641,7 +641,15 @@
             </a:pPr>
             <a:r>
               <a:rPr lang="en-GB" noProof="0" dirty="0"/>
-              <a:t>5: upper graph (What do you see? -&gt; more known sport now) (Emilie)</a:t>
+              <a:t>2: average explanation, top chart, show all tournaments (What do you see? -&gt; </a:t>
+            </a:r>
+            <a:r>
+              <a:rPr lang="en-GB" noProof="0" dirty="0" err="1"/>
+              <a:t>niveau</a:t>
+            </a:r>
+            <a:r>
+              <a:rPr lang="en-GB" noProof="0" dirty="0"/>
+              <a:t> increased as sport grows) (Emilie)</a:t>
             </a:r>
           </a:p>
           <a:p>
@@ -651,26 +659,18 @@
             </a:pPr>
             <a:r>
               <a:rPr lang="en-GB" noProof="0" dirty="0"/>
-              <a:t>2: average explanation, top chart, show all tournaments (What do you see? -&gt; </a:t>
-            </a:r>
-            <a:r>
-              <a:rPr lang="en-GB" noProof="0" dirty="0" err="1"/>
-              <a:t>niveau</a:t>
+              <a:t>5: upper graph (What do you see? -&gt; more known sport now) (Emilie)
+4: checkout </a:t>
+            </a:r>
+            <a:r>
+              <a:rPr lang="en-GB" noProof="0"/>
+              <a:t>percentage explanation (</a:t>
             </a:r>
             <a:r>
               <a:rPr lang="en-GB" noProof="0" dirty="0"/>
-              <a:t> increased as sport grows) (Emilie)
-4: checkout percentage explanation, bottom chart (What do you see?) (Sara)
-6: choose option</a:t>
-            </a:r>
-            <a:r>
-              <a:rPr lang="en-GB" noProof="0"/>
-              <a:t>, 5 </a:t>
-            </a:r>
-            <a:r>
-              <a:rPr lang="en-GB" noProof="0" dirty="0"/>
-              <a:t>ranks, age, nationality (Sara)
-15: show toggle, Luke Humphries (What do you see?) (Sara)</a:t>
+              <a:t>What do you see?) (Sara)
+6: choose option, 5 ranks, age, nationality (Sara)
+15: show toggle, Rob Cross, D1 (What do you see?) (Sara)</a:t>
             </a:r>
             <a:endParaRPr lang="LID4096" dirty="0"/>
           </a:p>
@@ -843,7 +843,7 @@
           <a:p>
             <a:fld id="{846CE7D5-CF57-46EF-B807-FDD0502418D4}" type="datetimeFigureOut">
               <a:rPr lang="en-US" smtClean="0"/>
-              <a:t>3/26/2025</a:t>
+              <a:t>3/27/2025</a:t>
             </a:fld>
             <a:endParaRPr lang="en-US"/>
           </a:p>
@@ -1013,7 +1013,7 @@
           <a:p>
             <a:fld id="{846CE7D5-CF57-46EF-B807-FDD0502418D4}" type="datetimeFigureOut">
               <a:rPr lang="en-US" smtClean="0"/>
-              <a:t>3/26/2025</a:t>
+              <a:t>3/27/2025</a:t>
             </a:fld>
             <a:endParaRPr lang="en-US"/>
           </a:p>
@@ -1193,7 +1193,7 @@
           <a:p>
             <a:fld id="{846CE7D5-CF57-46EF-B807-FDD0502418D4}" type="datetimeFigureOut">
               <a:rPr lang="en-US" smtClean="0"/>
-              <a:t>3/26/2025</a:t>
+              <a:t>3/27/2025</a:t>
             </a:fld>
             <a:endParaRPr lang="en-US"/>
           </a:p>
@@ -1383,7 +1383,7 @@
           <a:p>
             <a:fld id="{D3EB3054-B75A-4BD7-8B3E-8DC0F614FAF3}" type="datetimeFigureOut">
               <a:rPr lang="de-DE" smtClean="0"/>
-              <a:t>26.03.2025</a:t>
+              <a:t>27.03.2025</a:t>
             </a:fld>
             <a:endParaRPr lang="de-DE"/>
           </a:p>
@@ -1551,7 +1551,7 @@
           <a:p>
             <a:fld id="{D3EB3054-B75A-4BD7-8B3E-8DC0F614FAF3}" type="datetimeFigureOut">
               <a:rPr lang="de-DE" smtClean="0"/>
-              <a:t>26.03.2025</a:t>
+              <a:t>27.03.2025</a:t>
             </a:fld>
             <a:endParaRPr lang="de-DE"/>
           </a:p>
@@ -1796,7 +1796,7 @@
           <a:p>
             <a:fld id="{D3EB3054-B75A-4BD7-8B3E-8DC0F614FAF3}" type="datetimeFigureOut">
               <a:rPr lang="de-DE" smtClean="0"/>
-              <a:t>26.03.2025</a:t>
+              <a:t>27.03.2025</a:t>
             </a:fld>
             <a:endParaRPr lang="de-DE"/>
           </a:p>
@@ -2025,7 +2025,7 @@
           <a:p>
             <a:fld id="{D3EB3054-B75A-4BD7-8B3E-8DC0F614FAF3}" type="datetimeFigureOut">
               <a:rPr lang="de-DE" smtClean="0"/>
-              <a:t>26.03.2025</a:t>
+              <a:t>27.03.2025</a:t>
             </a:fld>
             <a:endParaRPr lang="de-DE"/>
           </a:p>
@@ -2389,7 +2389,7 @@
           <a:p>
             <a:fld id="{D3EB3054-B75A-4BD7-8B3E-8DC0F614FAF3}" type="datetimeFigureOut">
               <a:rPr lang="de-DE" smtClean="0"/>
-              <a:t>26.03.2025</a:t>
+              <a:t>27.03.2025</a:t>
             </a:fld>
             <a:endParaRPr lang="de-DE"/>
           </a:p>
@@ -2506,7 +2506,7 @@
           <a:p>
             <a:fld id="{D3EB3054-B75A-4BD7-8B3E-8DC0F614FAF3}" type="datetimeFigureOut">
               <a:rPr lang="de-DE" smtClean="0"/>
-              <a:t>26.03.2025</a:t>
+              <a:t>27.03.2025</a:t>
             </a:fld>
             <a:endParaRPr lang="de-DE"/>
           </a:p>
@@ -2601,7 +2601,7 @@
           <a:p>
             <a:fld id="{D3EB3054-B75A-4BD7-8B3E-8DC0F614FAF3}" type="datetimeFigureOut">
               <a:rPr lang="de-DE" smtClean="0"/>
-              <a:t>26.03.2025</a:t>
+              <a:t>27.03.2025</a:t>
             </a:fld>
             <a:endParaRPr lang="de-DE"/>
           </a:p>
@@ -2876,7 +2876,7 @@
           <a:p>
             <a:fld id="{D3EB3054-B75A-4BD7-8B3E-8DC0F614FAF3}" type="datetimeFigureOut">
               <a:rPr lang="de-DE" smtClean="0"/>
-              <a:t>26.03.2025</a:t>
+              <a:t>27.03.2025</a:t>
             </a:fld>
             <a:endParaRPr lang="de-DE"/>
           </a:p>
@@ -3046,7 +3046,7 @@
           <a:p>
             <a:fld id="{846CE7D5-CF57-46EF-B807-FDD0502418D4}" type="datetimeFigureOut">
               <a:rPr lang="en-US" smtClean="0"/>
-              <a:t>3/26/2025</a:t>
+              <a:t>3/27/2025</a:t>
             </a:fld>
             <a:endParaRPr lang="en-US"/>
           </a:p>
@@ -3298,7 +3298,7 @@
           <a:p>
             <a:fld id="{D3EB3054-B75A-4BD7-8B3E-8DC0F614FAF3}" type="datetimeFigureOut">
               <a:rPr lang="de-DE" smtClean="0"/>
-              <a:t>26.03.2025</a:t>
+              <a:t>27.03.2025</a:t>
             </a:fld>
             <a:endParaRPr lang="de-DE"/>
           </a:p>
@@ -3466,7 +3466,7 @@
           <a:p>
             <a:fld id="{D3EB3054-B75A-4BD7-8B3E-8DC0F614FAF3}" type="datetimeFigureOut">
               <a:rPr lang="de-DE" smtClean="0"/>
-              <a:t>26.03.2025</a:t>
+              <a:t>27.03.2025</a:t>
             </a:fld>
             <a:endParaRPr lang="de-DE"/>
           </a:p>
@@ -3644,7 +3644,7 @@
           <a:p>
             <a:fld id="{D3EB3054-B75A-4BD7-8B3E-8DC0F614FAF3}" type="datetimeFigureOut">
               <a:rPr lang="de-DE" smtClean="0"/>
-              <a:t>26.03.2025</a:t>
+              <a:t>27.03.2025</a:t>
             </a:fld>
             <a:endParaRPr lang="de-DE"/>
           </a:p>
@@ -3890,7 +3890,7 @@
           <a:p>
             <a:fld id="{846CE7D5-CF57-46EF-B807-FDD0502418D4}" type="datetimeFigureOut">
               <a:rPr lang="en-US" smtClean="0"/>
-              <a:t>3/26/2025</a:t>
+              <a:t>3/27/2025</a:t>
             </a:fld>
             <a:endParaRPr lang="en-US"/>
           </a:p>
@@ -4122,7 +4122,7 @@
           <a:p>
             <a:fld id="{846CE7D5-CF57-46EF-B807-FDD0502418D4}" type="datetimeFigureOut">
               <a:rPr lang="en-US" smtClean="0"/>
-              <a:t>3/26/2025</a:t>
+              <a:t>3/27/2025</a:t>
             </a:fld>
             <a:endParaRPr lang="en-US"/>
           </a:p>
@@ -4489,7 +4489,7 @@
           <a:p>
             <a:fld id="{846CE7D5-CF57-46EF-B807-FDD0502418D4}" type="datetimeFigureOut">
               <a:rPr lang="en-US" smtClean="0"/>
-              <a:t>3/26/2025</a:t>
+              <a:t>3/27/2025</a:t>
             </a:fld>
             <a:endParaRPr lang="en-US"/>
           </a:p>
@@ -4607,7 +4607,7 @@
           <a:p>
             <a:fld id="{846CE7D5-CF57-46EF-B807-FDD0502418D4}" type="datetimeFigureOut">
               <a:rPr lang="en-US" smtClean="0"/>
-              <a:t>3/26/2025</a:t>
+              <a:t>3/27/2025</a:t>
             </a:fld>
             <a:endParaRPr lang="en-US"/>
           </a:p>
@@ -4702,7 +4702,7 @@
           <a:p>
             <a:fld id="{846CE7D5-CF57-46EF-B807-FDD0502418D4}" type="datetimeFigureOut">
               <a:rPr lang="en-US" smtClean="0"/>
-              <a:t>3/26/2025</a:t>
+              <a:t>3/27/2025</a:t>
             </a:fld>
             <a:endParaRPr lang="en-US"/>
           </a:p>
@@ -4979,7 +4979,7 @@
           <a:p>
             <a:fld id="{846CE7D5-CF57-46EF-B807-FDD0502418D4}" type="datetimeFigureOut">
               <a:rPr lang="en-US" smtClean="0"/>
-              <a:t>3/26/2025</a:t>
+              <a:t>3/27/2025</a:t>
             </a:fld>
             <a:endParaRPr lang="en-US"/>
           </a:p>
@@ -5236,7 +5236,7 @@
           <a:p>
             <a:fld id="{846CE7D5-CF57-46EF-B807-FDD0502418D4}" type="datetimeFigureOut">
               <a:rPr lang="en-US" smtClean="0"/>
-              <a:t>3/26/2025</a:t>
+              <a:t>3/27/2025</a:t>
             </a:fld>
             <a:endParaRPr lang="en-US"/>
           </a:p>
@@ -5449,7 +5449,7 @@
           <a:p>
             <a:fld id="{846CE7D5-CF57-46EF-B807-FDD0502418D4}" type="datetimeFigureOut">
               <a:rPr lang="en-US" smtClean="0"/>
-              <a:t>3/26/2025</a:t>
+              <a:t>3/27/2025</a:t>
             </a:fld>
             <a:endParaRPr lang="en-US"/>
           </a:p>
@@ -5987,7 +5987,7 @@
           <a:p>
             <a:fld id="{D3EB3054-B75A-4BD7-8B3E-8DC0F614FAF3}" type="datetimeFigureOut">
               <a:rPr lang="de-DE" smtClean="0"/>
-              <a:t>26.03.2025</a:t>
+              <a:t>27.03.2025</a:t>
             </a:fld>
             <a:endParaRPr lang="de-DE"/>
           </a:p>
@@ -9156,8 +9156,12 @@
           <a:lstStyle/>
           <a:p>
             <a:r>
+              <a:rPr lang="de-DE" sz="2000" dirty="0"/>
+              <a:t>Match: </a:t>
+            </a:r>
+            <a:r>
               <a:rPr lang="de-DE" sz="2000" dirty="0" err="1"/>
-              <a:t>Structure</a:t>
+              <a:t>Consists</a:t>
             </a:r>
             <a:r>
               <a:rPr lang="de-DE" sz="2000" dirty="0"/>
@@ -9169,22 +9173,35 @@
             </a:r>
             <a:r>
               <a:rPr lang="de-DE" sz="2000" dirty="0"/>
-              <a:t> a game (</a:t>
+              <a:t> multiple </a:t>
             </a:r>
             <a:r>
               <a:rPr lang="de-DE" sz="2000" dirty="0" err="1"/>
-              <a:t>Legs</a:t>
-            </a:r>
+              <a:t>legs</a:t>
+            </a:r>
+            <a:endParaRPr lang="de-DE" sz="2000" dirty="0"/>
+          </a:p>
+          <a:p>
             <a:r>
               <a:rPr lang="de-DE" sz="2000" dirty="0"/>
-              <a:t>)</a:t>
-            </a:r>
+              <a:t>Leg: </a:t>
+            </a:r>
+            <a:r>
+              <a:rPr lang="en-US" sz="2000" dirty="0"/>
+              <a:t>players attempt to reduce their score from 501 to exactly zero, finishing with a double field (outer rim)</a:t>
+            </a:r>
+            <a:endParaRPr lang="de-DE" sz="2000" dirty="0"/>
           </a:p>
           <a:p>
             <a:r>
               <a:rPr lang="de-DE" sz="2000" dirty="0"/>
-              <a:t>Averages</a:t>
-            </a:r>
+              <a:t>Average: </a:t>
+            </a:r>
+            <a:r>
+              <a:rPr lang="en-US" sz="2000" dirty="0"/>
+              <a:t>average points scored per three darts/one throw</a:t>
+            </a:r>
+            <a:endParaRPr lang="de-DE" sz="2000" dirty="0"/>
           </a:p>
           <a:p>
             <a:r>
@@ -9197,11 +9214,16 @@
             </a:r>
             <a:r>
               <a:rPr lang="de-DE" sz="2000" dirty="0" err="1"/>
-              <a:t>percentages</a:t>
-            </a:r>
-            <a:endParaRPr lang="de-DE" sz="2000" dirty="0"/>
-          </a:p>
-          <a:p>
+              <a:t>Percentage</a:t>
+            </a:r>
+            <a:r>
+              <a:rPr lang="de-DE" sz="2000" dirty="0"/>
+              <a:t>: </a:t>
+            </a:r>
+            <a:r>
+              <a:rPr lang="en-US" sz="2000" dirty="0"/>
+              <a:t>success rate of finishing a leg when a player reaches a checkout opportunity</a:t>
+            </a:r>
             <a:endParaRPr lang="de-DE" sz="2000" dirty="0"/>
           </a:p>
           <a:p>

--- a/Presentations/DS_Project_Week-4.pptx
+++ b/Presentations/DS_Project_Week-4.pptx
@@ -209,7 +209,7 @@
           <a:p>
             <a:fld id="{AED9CDE3-D1C5-48DA-9920-F3058EBF21A6}" type="datetimeFigureOut">
               <a:rPr lang="LID4096" smtClean="0"/>
-              <a:t>03/26/2025</a:t>
+              <a:t>03/27/2025</a:t>
             </a:fld>
             <a:endParaRPr lang="LID4096"/>
           </a:p>
@@ -843,7 +843,7 @@
           <a:p>
             <a:fld id="{846CE7D5-CF57-46EF-B807-FDD0502418D4}" type="datetimeFigureOut">
               <a:rPr lang="en-US" smtClean="0"/>
-              <a:t>3/26/2025</a:t>
+              <a:t>3/27/2025</a:t>
             </a:fld>
             <a:endParaRPr lang="en-US"/>
           </a:p>
@@ -1013,7 +1013,7 @@
           <a:p>
             <a:fld id="{846CE7D5-CF57-46EF-B807-FDD0502418D4}" type="datetimeFigureOut">
               <a:rPr lang="en-US" smtClean="0"/>
-              <a:t>3/26/2025</a:t>
+              <a:t>3/27/2025</a:t>
             </a:fld>
             <a:endParaRPr lang="en-US"/>
           </a:p>
@@ -1193,7 +1193,7 @@
           <a:p>
             <a:fld id="{846CE7D5-CF57-46EF-B807-FDD0502418D4}" type="datetimeFigureOut">
               <a:rPr lang="en-US" smtClean="0"/>
-              <a:t>3/26/2025</a:t>
+              <a:t>3/27/2025</a:t>
             </a:fld>
             <a:endParaRPr lang="en-US"/>
           </a:p>
@@ -1383,7 +1383,7 @@
           <a:p>
             <a:fld id="{D3EB3054-B75A-4BD7-8B3E-8DC0F614FAF3}" type="datetimeFigureOut">
               <a:rPr lang="de-DE" smtClean="0"/>
-              <a:t>26.03.2025</a:t>
+              <a:t>27.03.2025</a:t>
             </a:fld>
             <a:endParaRPr lang="de-DE"/>
           </a:p>
@@ -1551,7 +1551,7 @@
           <a:p>
             <a:fld id="{D3EB3054-B75A-4BD7-8B3E-8DC0F614FAF3}" type="datetimeFigureOut">
               <a:rPr lang="de-DE" smtClean="0"/>
-              <a:t>26.03.2025</a:t>
+              <a:t>27.03.2025</a:t>
             </a:fld>
             <a:endParaRPr lang="de-DE"/>
           </a:p>
@@ -1796,7 +1796,7 @@
           <a:p>
             <a:fld id="{D3EB3054-B75A-4BD7-8B3E-8DC0F614FAF3}" type="datetimeFigureOut">
               <a:rPr lang="de-DE" smtClean="0"/>
-              <a:t>26.03.2025</a:t>
+              <a:t>27.03.2025</a:t>
             </a:fld>
             <a:endParaRPr lang="de-DE"/>
           </a:p>
@@ -2025,7 +2025,7 @@
           <a:p>
             <a:fld id="{D3EB3054-B75A-4BD7-8B3E-8DC0F614FAF3}" type="datetimeFigureOut">
               <a:rPr lang="de-DE" smtClean="0"/>
-              <a:t>26.03.2025</a:t>
+              <a:t>27.03.2025</a:t>
             </a:fld>
             <a:endParaRPr lang="de-DE"/>
           </a:p>
@@ -2389,7 +2389,7 @@
           <a:p>
             <a:fld id="{D3EB3054-B75A-4BD7-8B3E-8DC0F614FAF3}" type="datetimeFigureOut">
               <a:rPr lang="de-DE" smtClean="0"/>
-              <a:t>26.03.2025</a:t>
+              <a:t>27.03.2025</a:t>
             </a:fld>
             <a:endParaRPr lang="de-DE"/>
           </a:p>
@@ -2506,7 +2506,7 @@
           <a:p>
             <a:fld id="{D3EB3054-B75A-4BD7-8B3E-8DC0F614FAF3}" type="datetimeFigureOut">
               <a:rPr lang="de-DE" smtClean="0"/>
-              <a:t>26.03.2025</a:t>
+              <a:t>27.03.2025</a:t>
             </a:fld>
             <a:endParaRPr lang="de-DE"/>
           </a:p>
@@ -2601,7 +2601,7 @@
           <a:p>
             <a:fld id="{D3EB3054-B75A-4BD7-8B3E-8DC0F614FAF3}" type="datetimeFigureOut">
               <a:rPr lang="de-DE" smtClean="0"/>
-              <a:t>26.03.2025</a:t>
+              <a:t>27.03.2025</a:t>
             </a:fld>
             <a:endParaRPr lang="de-DE"/>
           </a:p>
@@ -2876,7 +2876,7 @@
           <a:p>
             <a:fld id="{D3EB3054-B75A-4BD7-8B3E-8DC0F614FAF3}" type="datetimeFigureOut">
               <a:rPr lang="de-DE" smtClean="0"/>
-              <a:t>26.03.2025</a:t>
+              <a:t>27.03.2025</a:t>
             </a:fld>
             <a:endParaRPr lang="de-DE"/>
           </a:p>
@@ -3046,7 +3046,7 @@
           <a:p>
             <a:fld id="{846CE7D5-CF57-46EF-B807-FDD0502418D4}" type="datetimeFigureOut">
               <a:rPr lang="en-US" smtClean="0"/>
-              <a:t>3/26/2025</a:t>
+              <a:t>3/27/2025</a:t>
             </a:fld>
             <a:endParaRPr lang="en-US"/>
           </a:p>
@@ -3298,7 +3298,7 @@
           <a:p>
             <a:fld id="{D3EB3054-B75A-4BD7-8B3E-8DC0F614FAF3}" type="datetimeFigureOut">
               <a:rPr lang="de-DE" smtClean="0"/>
-              <a:t>26.03.2025</a:t>
+              <a:t>27.03.2025</a:t>
             </a:fld>
             <a:endParaRPr lang="de-DE"/>
           </a:p>
@@ -3466,7 +3466,7 @@
           <a:p>
             <a:fld id="{D3EB3054-B75A-4BD7-8B3E-8DC0F614FAF3}" type="datetimeFigureOut">
               <a:rPr lang="de-DE" smtClean="0"/>
-              <a:t>26.03.2025</a:t>
+              <a:t>27.03.2025</a:t>
             </a:fld>
             <a:endParaRPr lang="de-DE"/>
           </a:p>
@@ -3644,7 +3644,7 @@
           <a:p>
             <a:fld id="{D3EB3054-B75A-4BD7-8B3E-8DC0F614FAF3}" type="datetimeFigureOut">
               <a:rPr lang="de-DE" smtClean="0"/>
-              <a:t>26.03.2025</a:t>
+              <a:t>27.03.2025</a:t>
             </a:fld>
             <a:endParaRPr lang="de-DE"/>
           </a:p>
@@ -3890,7 +3890,7 @@
           <a:p>
             <a:fld id="{846CE7D5-CF57-46EF-B807-FDD0502418D4}" type="datetimeFigureOut">
               <a:rPr lang="en-US" smtClean="0"/>
-              <a:t>3/26/2025</a:t>
+              <a:t>3/27/2025</a:t>
             </a:fld>
             <a:endParaRPr lang="en-US"/>
           </a:p>
@@ -4122,7 +4122,7 @@
           <a:p>
             <a:fld id="{846CE7D5-CF57-46EF-B807-FDD0502418D4}" type="datetimeFigureOut">
               <a:rPr lang="en-US" smtClean="0"/>
-              <a:t>3/26/2025</a:t>
+              <a:t>3/27/2025</a:t>
             </a:fld>
             <a:endParaRPr lang="en-US"/>
           </a:p>
@@ -4489,7 +4489,7 @@
           <a:p>
             <a:fld id="{846CE7D5-CF57-46EF-B807-FDD0502418D4}" type="datetimeFigureOut">
               <a:rPr lang="en-US" smtClean="0"/>
-              <a:t>3/26/2025</a:t>
+              <a:t>3/27/2025</a:t>
             </a:fld>
             <a:endParaRPr lang="en-US"/>
           </a:p>
@@ -4607,7 +4607,7 @@
           <a:p>
             <a:fld id="{846CE7D5-CF57-46EF-B807-FDD0502418D4}" type="datetimeFigureOut">
               <a:rPr lang="en-US" smtClean="0"/>
-              <a:t>3/26/2025</a:t>
+              <a:t>3/27/2025</a:t>
             </a:fld>
             <a:endParaRPr lang="en-US"/>
           </a:p>
@@ -4702,7 +4702,7 @@
           <a:p>
             <a:fld id="{846CE7D5-CF57-46EF-B807-FDD0502418D4}" type="datetimeFigureOut">
               <a:rPr lang="en-US" smtClean="0"/>
-              <a:t>3/26/2025</a:t>
+              <a:t>3/27/2025</a:t>
             </a:fld>
             <a:endParaRPr lang="en-US"/>
           </a:p>
@@ -4979,7 +4979,7 @@
           <a:p>
             <a:fld id="{846CE7D5-CF57-46EF-B807-FDD0502418D4}" type="datetimeFigureOut">
               <a:rPr lang="en-US" smtClean="0"/>
-              <a:t>3/26/2025</a:t>
+              <a:t>3/27/2025</a:t>
             </a:fld>
             <a:endParaRPr lang="en-US"/>
           </a:p>
@@ -5236,7 +5236,7 @@
           <a:p>
             <a:fld id="{846CE7D5-CF57-46EF-B807-FDD0502418D4}" type="datetimeFigureOut">
               <a:rPr lang="en-US" smtClean="0"/>
-              <a:t>3/26/2025</a:t>
+              <a:t>3/27/2025</a:t>
             </a:fld>
             <a:endParaRPr lang="en-US"/>
           </a:p>
@@ -5449,7 +5449,7 @@
           <a:p>
             <a:fld id="{846CE7D5-CF57-46EF-B807-FDD0502418D4}" type="datetimeFigureOut">
               <a:rPr lang="en-US" smtClean="0"/>
-              <a:t>3/26/2025</a:t>
+              <a:t>3/27/2025</a:t>
             </a:fld>
             <a:endParaRPr lang="en-US"/>
           </a:p>
@@ -5987,7 +5987,7 @@
           <a:p>
             <a:fld id="{D3EB3054-B75A-4BD7-8B3E-8DC0F614FAF3}" type="datetimeFigureOut">
               <a:rPr lang="de-DE" smtClean="0"/>
-              <a:t>26.03.2025</a:t>
+              <a:t>27.03.2025</a:t>
             </a:fld>
             <a:endParaRPr lang="de-DE"/>
           </a:p>
@@ -8695,7 +8695,7 @@
           <a:lstStyle/>
           <a:p>
             <a:pPr algn="ctr"/>
-            <a:endParaRPr lang="en-US"/>
+            <a:endParaRPr lang="en-US" noProof="0" dirty="0"/>
           </a:p>
         </p:txBody>
       </p:sp>
@@ -8768,7 +8768,7 @@
           <a:lstStyle/>
           <a:p>
             <a:pPr algn="ctr"/>
-            <a:endParaRPr lang="en-US"/>
+            <a:endParaRPr lang="en-US" noProof="0" dirty="0"/>
           </a:p>
         </p:txBody>
       </p:sp>
@@ -8843,7 +8843,7 @@
           <a:lstStyle/>
           <a:p>
             <a:pPr algn="ctr"/>
-            <a:endParaRPr lang="en-US"/>
+            <a:endParaRPr lang="en-US" noProof="0" dirty="0"/>
           </a:p>
         </p:txBody>
       </p:sp>
@@ -8918,7 +8918,7 @@
           <a:lstStyle/>
           <a:p>
             <a:pPr algn="ctr"/>
-            <a:endParaRPr lang="en-US" dirty="0"/>
+            <a:endParaRPr lang="en-US" noProof="0" dirty="0"/>
           </a:p>
         </p:txBody>
       </p:sp>
@@ -8993,7 +8993,7 @@
           <a:lstStyle/>
           <a:p>
             <a:pPr algn="ctr"/>
-            <a:endParaRPr lang="en-US"/>
+            <a:endParaRPr lang="en-US" noProof="0" dirty="0"/>
           </a:p>
         </p:txBody>
       </p:sp>
@@ -9070,7 +9070,7 @@
           <a:lstStyle/>
           <a:p>
             <a:pPr algn="ctr"/>
-            <a:endParaRPr lang="en-US" dirty="0"/>
+            <a:endParaRPr lang="en-US" noProof="0" dirty="0"/>
           </a:p>
         </p:txBody>
       </p:sp>
@@ -9104,26 +9104,13 @@
           <a:p>
             <a:pPr algn="r"/>
             <a:r>
-              <a:rPr lang="de-DE" sz="4000" dirty="0">
+              <a:rPr lang="en-US" sz="4000" noProof="0" dirty="0">
                 <a:solidFill>
                   <a:srgbClr val="FFFFFF"/>
                 </a:solidFill>
               </a:rPr>
-              <a:t>Project </a:t>
-            </a:r>
-            <a:r>
-              <a:rPr lang="de-DE" sz="4000" dirty="0" err="1">
-                <a:solidFill>
-                  <a:srgbClr val="FFFFFF"/>
-                </a:solidFill>
-              </a:rPr>
-              <a:t>Results</a:t>
-            </a:r>
-            <a:endParaRPr lang="de-DE" sz="4000" dirty="0">
-              <a:solidFill>
-                <a:srgbClr val="FFFFFF"/>
-              </a:solidFill>
-            </a:endParaRPr>
+              <a:t>Project Results</a:t>
+            </a:r>
           </a:p>
         </p:txBody>
       </p:sp>
@@ -9155,100 +9142,148 @@
           </a:bodyPr>
           <a:lstStyle/>
           <a:p>
-            <a:r>
-              <a:rPr lang="de-DE" sz="2000" dirty="0" err="1"/>
-              <a:t>Structure</a:t>
-            </a:r>
-            <a:r>
-              <a:rPr lang="de-DE" sz="2000" dirty="0"/>
+            <a:pPr marL="0" indent="0">
+              <a:buNone/>
+            </a:pPr>
+            <a:endParaRPr lang="en-US" sz="2000" noProof="0" dirty="0"/>
+          </a:p>
+          <a:p>
+            <a:pPr marL="0" indent="0">
+              <a:buNone/>
+            </a:pPr>
+            <a:endParaRPr lang="en-US" sz="2000" dirty="0"/>
+          </a:p>
+          <a:p>
+            <a:r>
+              <a:rPr lang="en-US" sz="2000" noProof="0" dirty="0"/>
+              <a:t>Structure of a game (Legs)</a:t>
+            </a:r>
+          </a:p>
+          <a:p>
+            <a:r>
+              <a:rPr lang="en-US" sz="2000" noProof="0" dirty="0"/>
+              <a:t>Averages</a:t>
+            </a:r>
+          </a:p>
+          <a:p>
+            <a:r>
+              <a:rPr lang="en-US" sz="2000" noProof="0" dirty="0"/>
+              <a:t>Checkout percentages</a:t>
+            </a:r>
+          </a:p>
+          <a:p>
+            <a:pPr marL="0" indent="0">
+              <a:buNone/>
+            </a:pPr>
+            <a:endParaRPr lang="en-US" sz="2000" noProof="0" dirty="0"/>
+          </a:p>
+          <a:p>
+            <a:pPr marL="0" indent="0">
+              <a:buNone/>
+            </a:pPr>
+            <a:r>
+              <a:rPr lang="en-US" sz="2000" noProof="0" dirty="0"/>
+              <a:t>Now, let‘s look at our Website!</a:t>
+            </a:r>
+          </a:p>
+          <a:p>
+            <a:pPr marL="0" indent="0">
+              <a:buNone/>
+            </a:pPr>
+            <a:endParaRPr lang="en-US" sz="2000" noProof="0" dirty="0"/>
+          </a:p>
+          <a:p>
+            <a:pPr marL="0" indent="0">
+              <a:buNone/>
+            </a:pPr>
+            <a:r>
+              <a:rPr lang="en-US" sz="2000" noProof="0" dirty="0" err="1"/>
+              <a:t>Github</a:t>
+            </a:r>
+            <a:r>
+              <a:rPr lang="en-US" sz="2000" noProof="0" dirty="0"/>
+              <a:t> repo by </a:t>
+            </a:r>
+            <a:r>
+              <a:rPr lang="en-US" sz="2000" noProof="0" dirty="0" err="1"/>
+              <a:t>EmilieTr</a:t>
+            </a:r>
+            <a:r>
+              <a:rPr lang="en-US" sz="2000" noProof="0" dirty="0"/>
+              <a:t>:</a:t>
+            </a:r>
+            <a:endParaRPr lang="en-US" sz="2000" noProof="0" dirty="0">
+              <a:hlinkClick r:id="rId3">
+                <a:extLst>
+                  <a:ext uri="{A12FA001-AC4F-418D-AE19-62706E023703}">
+                    <ahyp:hlinkClr xmlns:ahyp="http://schemas.microsoft.com/office/drawing/2018/hyperlinkcolor" val="tx"/>
+                  </a:ext>
+                </a:extLst>
+              </a:hlinkClick>
+            </a:endParaRPr>
+          </a:p>
+          <a:p>
+            <a:pPr marL="0" indent="0">
+              <a:buNone/>
+            </a:pPr>
+            <a:r>
+              <a:rPr lang="en-US" sz="2000" noProof="0" dirty="0" err="1">
+                <a:solidFill>
+                  <a:srgbClr val="467886"/>
+                </a:solidFill>
+                <a:hlinkClick r:id="rId3">
+                  <a:extLst>
+                    <a:ext uri="{A12FA001-AC4F-418D-AE19-62706E023703}">
+                      <ahyp:hlinkClr xmlns:ahyp="http://schemas.microsoft.com/office/drawing/2018/hyperlinkcolor" val="tx"/>
+                    </a:ext>
+                  </a:extLst>
+                </a:hlinkClick>
+              </a:rPr>
+              <a:t>darts_data_science_project</a:t>
+            </a:r>
+            <a:r>
+              <a:rPr lang="en-US" sz="2000" noProof="0" dirty="0"/>
               <a:t> </a:t>
             </a:r>
-            <a:r>
-              <a:rPr lang="de-DE" sz="2000" dirty="0" err="1"/>
-              <a:t>of</a:t>
-            </a:r>
-            <a:r>
-              <a:rPr lang="de-DE" sz="2000" dirty="0"/>
-              <a:t> a game (</a:t>
-            </a:r>
-            <a:r>
-              <a:rPr lang="de-DE" sz="2000" dirty="0" err="1"/>
-              <a:t>Legs</a:t>
-            </a:r>
-            <a:r>
-              <a:rPr lang="de-DE" sz="2000" dirty="0"/>
-              <a:t>)</a:t>
-            </a:r>
-          </a:p>
-          <a:p>
-            <a:r>
-              <a:rPr lang="de-DE" sz="2000" dirty="0"/>
-              <a:t>Averages</a:t>
-            </a:r>
-          </a:p>
-          <a:p>
-            <a:r>
-              <a:rPr lang="de-DE" sz="2000" dirty="0" err="1"/>
-              <a:t>Checkout</a:t>
-            </a:r>
-            <a:r>
-              <a:rPr lang="de-DE" sz="2000" dirty="0"/>
-              <a:t> </a:t>
-            </a:r>
-            <a:r>
-              <a:rPr lang="de-DE" sz="2000" dirty="0" err="1"/>
-              <a:t>percentages</a:t>
-            </a:r>
-            <a:endParaRPr lang="de-DE" sz="2000" dirty="0"/>
-          </a:p>
-          <a:p>
-            <a:endParaRPr lang="de-DE" sz="2000" dirty="0"/>
-          </a:p>
-          <a:p>
-            <a:pPr marL="0" indent="0">
-              <a:buNone/>
-            </a:pPr>
-            <a:endParaRPr lang="de-DE" sz="2000" dirty="0"/>
-          </a:p>
-          <a:p>
-            <a:pPr marL="0" indent="0">
-              <a:buNone/>
-            </a:pPr>
-            <a:r>
-              <a:rPr lang="de-DE" sz="2000" dirty="0" err="1"/>
-              <a:t>Now</a:t>
-            </a:r>
-            <a:r>
-              <a:rPr lang="de-DE" sz="2000" dirty="0"/>
-              <a:t>, </a:t>
-            </a:r>
-            <a:r>
-              <a:rPr lang="de-DE" sz="2000" dirty="0" err="1"/>
-              <a:t>let‘s</a:t>
-            </a:r>
-            <a:r>
-              <a:rPr lang="de-DE" sz="2000" dirty="0"/>
-              <a:t> </a:t>
-            </a:r>
-            <a:r>
-              <a:rPr lang="de-DE" sz="2000" dirty="0" err="1"/>
-              <a:t>look</a:t>
-            </a:r>
-            <a:r>
-              <a:rPr lang="de-DE" sz="2000" dirty="0"/>
-              <a:t> at </a:t>
-            </a:r>
-            <a:r>
-              <a:rPr lang="de-DE" sz="2000" dirty="0" err="1"/>
-              <a:t>our</a:t>
-            </a:r>
-            <a:r>
-              <a:rPr lang="de-DE" sz="2000" dirty="0"/>
-              <a:t> Website!</a:t>
-            </a:r>
-          </a:p>
-        </p:txBody>
-      </p:sp>
+          </a:p>
+        </p:txBody>
+      </p:sp>
+      <p:pic>
+        <p:nvPicPr>
+          <p:cNvPr id="5" name="Grafik 4">
+            <a:extLst>
+              <a:ext uri="{FF2B5EF4-FFF2-40B4-BE49-F238E27FC236}">
+                <a16:creationId xmlns:a16="http://schemas.microsoft.com/office/drawing/2014/main" id="{B80B1E7C-3F5A-DBA1-A6A4-4027D88453FA}"/>
+              </a:ext>
+            </a:extLst>
+          </p:cNvPr>
+          <p:cNvPicPr>
+            <a:picLocks noChangeAspect="1"/>
+          </p:cNvPicPr>
+          <p:nvPr/>
+        </p:nvPicPr>
+        <p:blipFill>
+          <a:blip r:embed="rId4">
+            <a:extLst>
+              <a:ext uri="{28A0092B-C50C-407E-A947-70E740481C1C}">
+                <a14:useLocalDpi xmlns:a14="http://schemas.microsoft.com/office/drawing/2010/main" val="0"/>
+              </a:ext>
+            </a:extLst>
+          </a:blip>
+          <a:stretch>
+            <a:fillRect/>
+          </a:stretch>
+        </p:blipFill>
+        <p:spPr>
+          <a:xfrm>
+            <a:off x="9890585" y="4493684"/>
+            <a:ext cx="1862667" cy="1862667"/>
+          </a:xfrm>
+          <a:prstGeom prst="rect">
+            <a:avLst/>
+          </a:prstGeom>
+        </p:spPr>
+      </p:pic>
     </p:spTree>
     <p:extLst>
       <p:ext uri="{BB962C8B-B14F-4D97-AF65-F5344CB8AC3E}">

--- a/Presentations/DS_Project_Week-4.pptx
+++ b/Presentations/DS_Project_Week-4.pptx
@@ -9151,7 +9151,10 @@
             <a:pPr marL="0" indent="0">
               <a:buNone/>
             </a:pPr>
-            <a:endParaRPr lang="en-US" sz="2000" dirty="0"/>
+            <a:r>
+              <a:rPr lang="en-US" sz="2000" dirty="0"/>
+              <a:t>Game Rule Heads Up:</a:t>
+            </a:r>
           </a:p>
           <a:p>
             <a:r>
@@ -9162,14 +9165,21 @@
           <a:p>
             <a:r>
               <a:rPr lang="en-US" sz="2000" noProof="0" dirty="0"/>
+              <a:t>Checkout (percentages)</a:t>
+            </a:r>
+          </a:p>
+          <a:p>
+            <a:r>
+              <a:rPr lang="en-US" sz="2000" dirty="0"/>
               <a:t>Averages</a:t>
             </a:r>
           </a:p>
           <a:p>
             <a:r>
-              <a:rPr lang="en-US" sz="2000" noProof="0" dirty="0"/>
-              <a:t>Checkout percentages</a:t>
-            </a:r>
+              <a:rPr lang="en-US" sz="2000" dirty="0"/>
+              <a:t>Order of Merit</a:t>
+            </a:r>
+            <a:endParaRPr lang="en-US" sz="2000" noProof="0" dirty="0"/>
           </a:p>
           <a:p>
             <a:pPr marL="0" indent="0">
